--- a/Presentation/Kubernetes.pptx
+++ b/Presentation/Kubernetes.pptx
@@ -180,50 +180,6 @@
 </p1510:revInfo>
 </file>
 
-<file path=ppt/comments/modernComment_120_7D47A59C.xml><?xml version="1.0" encoding="utf-8"?>
-<p188:cmLst xmlns:a="http://schemas.openxmlformats.org/drawingml/2006/main" xmlns:r="http://schemas.openxmlformats.org/officeDocument/2006/relationships" xmlns:p188="http://schemas.microsoft.com/office/powerpoint/2018/8/main">
-  <p188:cm id="{C61BA229-1E8D-466A-9BD5-43E7C461D193}" authorId="{083FC864-0728-871E-404A-2D1DD4033123}" created="2022-11-12T12:22:17.520">
-    <pc:sldMkLst xmlns:pc="http://schemas.microsoft.com/office/powerpoint/2013/main/command">
-      <pc:docMk/>
-      <pc:sldMk cId="2101847452" sldId="288"/>
-    </pc:sldMkLst>
-    <p188:txBody>
-      <a:bodyPr/>
-      <a:lstStyle/>
-      <a:p>
-        <a:r>
-          <a:rPr lang="en-US"/>
-          <a:t>Wissenschaftliche Paper zitieren??</a:t>
-        </a:r>
-      </a:p>
-    </p188:txBody>
-  </p188:cm>
-</p188:cmLst>
-</file>
-
-<file path=ppt/comments/modernComment_149_C8651D60.xml><?xml version="1.0" encoding="utf-8"?>
-<p188:cmLst xmlns:a="http://schemas.openxmlformats.org/drawingml/2006/main" xmlns:r="http://schemas.openxmlformats.org/officeDocument/2006/relationships" xmlns:p188="http://schemas.microsoft.com/office/powerpoint/2018/8/main">
-  <p188:cm id="{2B5B2C45-4913-43D7-BECB-544E00FDB941}" authorId="{2A772BCF-22D1-2A0C-AB96-25FCD60579A9}" created="2022-11-10T14:59:01.631">
-    <ac:deMkLst xmlns:ac="http://schemas.microsoft.com/office/drawing/2013/main/command">
-      <pc:docMk xmlns:pc="http://schemas.microsoft.com/office/powerpoint/2013/main/command"/>
-      <pc:sldMk xmlns:pc="http://schemas.microsoft.com/office/powerpoint/2013/main/command" cId="3362069856" sldId="329"/>
-      <ac:spMk id="357" creationId="{00000000-0000-0000-0000-000000000000}"/>
-    </ac:deMkLst>
-    <p188:txBody>
-      <a:bodyPr/>
-      <a:lstStyle/>
-      <a:p>
-        <a:r>
-          <a:rPr lang="en-US"/>
-          <a:t>Animation 
-</a:t>
-        </a:r>
-      </a:p>
-    </p188:txBody>
-  </p188:cm>
-</p188:cmLst>
-</file>
-
 <file path=ppt/notesMasters/notesMaster1.xml><?xml version="1.0" encoding="utf-8"?>
 <p:notesMaster xmlns:a="http://schemas.openxmlformats.org/drawingml/2006/main" xmlns:r="http://schemas.openxmlformats.org/officeDocument/2006/relationships" xmlns:p="http://schemas.openxmlformats.org/presentationml/2006/main">
   <p:cSld>
@@ -306,7 +262,7 @@
           <a:p>
             <a:fld id="{0776E4E9-45B0-4F29-A0DF-6ACD1F6A9E69}" type="datetimeFigureOut">
               <a:rPr lang="en-US" smtClean="0"/>
-              <a:t>11/15/2022</a:t>
+              <a:t>11/16/2022</a:t>
             </a:fld>
             <a:endParaRPr lang="en-US"/>
           </a:p>
@@ -1686,7 +1642,7 @@
               <a:buNone/>
             </a:pPr>
             <a:r>
-              <a:rPr lang="en-US"/>
+              <a:rPr lang="en-US" dirty="0"/>
               <a:t>https://www.aquasec.com/cloud-native-academy/kubernetes-101/kubernetes-complete-guide/ </a:t>
             </a:r>
           </a:p>
@@ -1701,7 +1657,7 @@
               <a:buNone/>
             </a:pPr>
             <a:r>
-              <a:rPr lang="de-DE"/>
+              <a:rPr lang="de-DE" dirty="0"/>
               <a:t>https://www.redhat.com/en/topics/containers/what-is-the-kubernetes-API </a:t>
             </a:r>
           </a:p>
@@ -1716,7 +1672,7 @@
               <a:buNone/>
             </a:pPr>
             <a:r>
-              <a:rPr lang="de-DE"/>
+              <a:rPr lang="de-DE" dirty="0"/>
               <a:t>https://www.oreilly.com/library/view/managing-kubernetes/9781492033905/ch04.html </a:t>
             </a:r>
           </a:p>
@@ -1731,7 +1687,7 @@
               <a:buNone/>
             </a:pPr>
             <a:r>
-              <a:rPr lang="de-DE"/>
+              <a:rPr lang="de-DE" dirty="0"/>
               <a:t>https://www.containiq.com/post/kubernetes-control-plane </a:t>
             </a:r>
           </a:p>
@@ -1746,7 +1702,7 @@
               <a:buNone/>
             </a:pPr>
             <a:r>
-              <a:rPr lang="de-DE"/>
+              <a:rPr lang="de-DE" dirty="0"/>
               <a:t>https://www.containiq.com/post/kubernetes-api </a:t>
             </a:r>
           </a:p>
@@ -1858,7 +1814,7 @@
               <a:buNone/>
             </a:pPr>
             <a:r>
-              <a:rPr lang="en-US"/>
+              <a:rPr lang="en-US" dirty="0"/>
               <a:t>https://www.aquasec.com/cloud-native-academy/kubernetes-101/kubernetes-complete-guide/ </a:t>
             </a:r>
           </a:p>
@@ -1873,10 +1829,10 @@
               <a:buNone/>
             </a:pPr>
             <a:r>
-              <a:rPr lang="en-US"/>
+              <a:rPr lang="en-US" dirty="0"/>
               <a:t>https://kubernetes.io/docs/concepts/scheduling-eviction/kube-scheduler/ </a:t>
             </a:r>
-            <a:endParaRPr/>
+            <a:endParaRPr dirty="0"/>
           </a:p>
         </p:txBody>
       </p:sp>
@@ -2097,7 +2053,7 @@
               <a:buNone/>
             </a:pPr>
             <a:r>
-              <a:rPr lang="en-US"/>
+              <a:rPr lang="en-US" dirty="0"/>
               <a:t>https://www.aquasec.com/cloud-native-academy/kubernetes-101/kubernetes-complete-guide/ </a:t>
             </a:r>
           </a:p>
@@ -2112,7 +2068,7 @@
               <a:buNone/>
             </a:pPr>
             <a:r>
-              <a:rPr lang="en-US"/>
+              <a:rPr lang="en-US" dirty="0"/>
               <a:t>https://www.redhat.com/en/topics/containers/what-is-etcd</a:t>
             </a:r>
           </a:p>
@@ -2127,7 +2083,7 @@
               <a:buNone/>
             </a:pPr>
             <a:r>
-              <a:rPr lang="en-US"/>
+              <a:rPr lang="en-US" dirty="0"/>
               <a:t>https://matthewpalmer.net/kubernetes-app-developer/articles/how-does-kubernetes-use-etcd.html</a:t>
             </a:r>
           </a:p>
@@ -2141,7 +2097,7 @@
               </a:spcAft>
               <a:buNone/>
             </a:pPr>
-            <a:endParaRPr/>
+            <a:endParaRPr dirty="0"/>
           </a:p>
         </p:txBody>
       </p:sp>
@@ -2251,14 +2207,14 @@
               <a:buNone/>
             </a:pPr>
             <a:r>
-              <a:rPr lang="en-US"/>
+              <a:rPr lang="en-US" dirty="0"/>
               <a:t>https://www.aquasec.com/cloud-native-academy/kubernetes-101/kubernetes-complete-guide/ </a:t>
             </a:r>
           </a:p>
           <a:p>
             <a:pPr marL="203195" indent="0" fontAlgn="base"/>
             <a:r>
-              <a:rPr lang="en-US">
+              <a:rPr lang="en-US" dirty="0">
                 <a:solidFill>
                   <a:schemeClr val="tx1"/>
                 </a:solidFill>
@@ -2268,7 +2224,7 @@
               </a:rPr>
               <a:t>https://komodor.com/learn/controller-manager/</a:t>
             </a:r>
-            <a:endParaRPr lang="en-US">
+            <a:endParaRPr lang="en-US" dirty="0">
               <a:solidFill>
                 <a:schemeClr val="tx1"/>
               </a:solidFill>
@@ -2279,7 +2235,7 @@
           <a:p>
             <a:pPr marL="203195" indent="0" fontAlgn="base"/>
             <a:r>
-              <a:rPr lang="en-US">
+              <a:rPr lang="en-US" dirty="0">
                 <a:solidFill>
                   <a:schemeClr val="tx1"/>
                 </a:solidFill>
@@ -2290,7 +2246,7 @@
               <a:t>https://medium.com/adeo-tech/how-to-build-a-zero-downtime-application-on-kubernetes-9f509fac3eb8</a:t>
             </a:r>
             <a:r>
-              <a:rPr lang="en-US">
+              <a:rPr lang="en-US" dirty="0">
                 <a:solidFill>
                   <a:schemeClr val="tx1"/>
                 </a:solidFill>
@@ -2310,7 +2266,7 @@
               </a:spcAft>
               <a:buNone/>
             </a:pPr>
-            <a:endParaRPr/>
+            <a:endParaRPr dirty="0"/>
           </a:p>
         </p:txBody>
       </p:sp>
@@ -2529,7 +2485,7 @@
               <a:buNone/>
             </a:pPr>
             <a:r>
-              <a:rPr lang="en-US"/>
+              <a:rPr lang="en-US" dirty="0"/>
               <a:t>https://www.youtube.com/watch?v=oBf5lrmquYI </a:t>
             </a:r>
           </a:p>
@@ -2544,10 +2500,10 @@
               <a:buNone/>
             </a:pPr>
             <a:r>
-              <a:rPr lang="en-US"/>
+              <a:rPr lang="en-US" dirty="0"/>
               <a:t>https://www.aquasec.com/cloud-native-academy/kubernetes-101/kubernetes-architecture/ </a:t>
             </a:r>
-            <a:endParaRPr/>
+            <a:endParaRPr dirty="0"/>
           </a:p>
         </p:txBody>
       </p:sp>
@@ -14248,11 +14204,6 @@
   <p:clrMapOvr>
     <a:masterClrMapping/>
   </p:clrMapOvr>
-  <p:extLst>
-    <p:ext uri="{6950BFC3-D8DA-4A85-94F7-54DA5524770B}">
-      <p188:commentRel xmlns:p188="http://schemas.microsoft.com/office/powerpoint/2018/8/main" r:id="rId3"/>
-    </p:ext>
-  </p:extLst>
 </p:sld>
 </file>
 
@@ -16386,7 +16337,7 @@
           <p:nvPr/>
         </p:nvPicPr>
         <p:blipFill>
-          <a:blip r:embed="rId4">
+          <a:blip r:embed="rId3">
             <a:extLst>
               <a:ext uri="{28A0092B-C50C-407E-A947-70E740481C1C}">
                 <a14:useLocalDpi xmlns:a14="http://schemas.microsoft.com/office/drawing/2010/main" val="0"/>
@@ -17413,11 +17364,6 @@
   <p:clrMapOvr>
     <a:masterClrMapping/>
   </p:clrMapOvr>
-  <p:extLst>
-    <p:ext uri="{6950BFC3-D8DA-4A85-94F7-54DA5524770B}">
-      <p188:commentRel xmlns:p188="http://schemas.microsoft.com/office/powerpoint/2018/8/main" r:id="rId3"/>
-    </p:ext>
-  </p:extLst>
 </p:sld>
 </file>
 
@@ -21753,6 +21699,43 @@
           </a:prstGeom>
         </p:spPr>
       </p:pic>
+      <p:sp>
+        <p:nvSpPr>
+          <p:cNvPr id="3" name="Textfeld 2">
+            <a:extLst>
+              <a:ext uri="{FF2B5EF4-FFF2-40B4-BE49-F238E27FC236}">
+                <a16:creationId xmlns:a16="http://schemas.microsoft.com/office/drawing/2014/main" id="{685EFFE7-F670-F419-195A-476CEDFB571D}"/>
+              </a:ext>
+            </a:extLst>
+          </p:cNvPr>
+          <p:cNvSpPr txBox="1"/>
+          <p:nvPr/>
+        </p:nvSpPr>
+        <p:spPr>
+          <a:xfrm>
+            <a:off x="291583" y="6368622"/>
+            <a:ext cx="2896785" cy="276999"/>
+          </a:xfrm>
+          <a:prstGeom prst="rect">
+            <a:avLst/>
+          </a:prstGeom>
+          <a:noFill/>
+        </p:spPr>
+        <p:txBody>
+          <a:bodyPr wrap="square" rtlCol="0">
+            <a:spAutoFit/>
+          </a:bodyPr>
+          <a:lstStyle/>
+          <a:p>
+            <a:r>
+              <a:rPr lang="en-US" sz="1200" dirty="0">
+                <a:latin typeface="+mj-lt"/>
+              </a:rPr>
+              <a:t>Source [29]  </a:t>
+            </a:r>
+          </a:p>
+        </p:txBody>
+      </p:sp>
     </p:spTree>
     <p:extLst>
       <p:ext uri="{BB962C8B-B14F-4D97-AF65-F5344CB8AC3E}">
@@ -22908,7 +22891,7 @@
               <a:buChar char="•"/>
             </a:pPr>
             <a:r>
-              <a:rPr lang="en-US">
+              <a:rPr lang="en-US" dirty="0">
                 <a:latin typeface="Catamaran Light" panose="020B0604020202020204" charset="0"/>
                 <a:cs typeface="Catamaran Light" panose="020B0604020202020204" charset="0"/>
               </a:rPr>
@@ -22924,32 +22907,12 @@
               <a:buChar char="•"/>
             </a:pPr>
             <a:r>
-              <a:rPr lang="en-US">
+              <a:rPr lang="en-US" dirty="0">
                 <a:latin typeface="Catamaran Light" panose="020B0604020202020204" charset="0"/>
                 <a:cs typeface="Catamaran Light" panose="020B0604020202020204" charset="0"/>
               </a:rPr>
               <a:t>Find best node for a pod  </a:t>
             </a:r>
-          </a:p>
-          <a:p>
-            <a:pPr marL="431165" indent="-227965" fontAlgn="base">
-              <a:lnSpc>
-                <a:spcPct val="150000"/>
-              </a:lnSpc>
-              <a:buFont typeface="Arial" panose="020B0604020202020204" pitchFamily="34" charset="0"/>
-              <a:buChar char="•"/>
-            </a:pPr>
-            <a:r>
-              <a:rPr lang="en-US">
-                <a:latin typeface="Catamaran Light" panose="020B0604020202020204" charset="0"/>
-                <a:cs typeface="Catamaran Light" panose="020B0604020202020204" charset="0"/>
-              </a:rPr>
-              <a:t>Considers for example policy requirements</a:t>
-            </a:r>
-            <a:endParaRPr lang="de-DE">
-              <a:latin typeface="Catamaran Light" panose="020B0604020202020204" charset="0"/>
-              <a:cs typeface="Catamaran Light" panose="020B0604020202020204" charset="0"/>
-            </a:endParaRPr>
           </a:p>
         </p:txBody>
       </p:sp>
@@ -23655,6 +23618,43 @@
               <a:latin typeface="Livvic" pitchFamily="2" charset="0"/>
               <a:cs typeface="Catamaran Light" panose="020B0604020202020204" charset="0"/>
             </a:endParaRPr>
+          </a:p>
+        </p:txBody>
+      </p:sp>
+      <p:sp>
+        <p:nvSpPr>
+          <p:cNvPr id="3" name="Textfeld 2">
+            <a:extLst>
+              <a:ext uri="{FF2B5EF4-FFF2-40B4-BE49-F238E27FC236}">
+                <a16:creationId xmlns:a16="http://schemas.microsoft.com/office/drawing/2014/main" id="{69AD2C81-A99A-B515-C93A-FC2B7CAD1E4D}"/>
+              </a:ext>
+            </a:extLst>
+          </p:cNvPr>
+          <p:cNvSpPr txBox="1"/>
+          <p:nvPr/>
+        </p:nvSpPr>
+        <p:spPr>
+          <a:xfrm>
+            <a:off x="291583" y="6368622"/>
+            <a:ext cx="2896785" cy="276999"/>
+          </a:xfrm>
+          <a:prstGeom prst="rect">
+            <a:avLst/>
+          </a:prstGeom>
+          <a:noFill/>
+        </p:spPr>
+        <p:txBody>
+          <a:bodyPr wrap="square" rtlCol="0">
+            <a:spAutoFit/>
+          </a:bodyPr>
+          <a:lstStyle/>
+          <a:p>
+            <a:r>
+              <a:rPr lang="en-US" sz="1200" dirty="0">
+                <a:latin typeface="+mj-lt"/>
+              </a:rPr>
+              <a:t>Source [3], [24]  </a:t>
+            </a:r>
           </a:p>
         </p:txBody>
       </p:sp>
@@ -23860,7 +23860,7 @@
               <a:buChar char="•"/>
             </a:pPr>
             <a:r>
-              <a:rPr lang="en-US" sz="1400">
+              <a:rPr lang="en-US" sz="1400" dirty="0">
                 <a:solidFill>
                   <a:schemeClr val="tx1"/>
                 </a:solidFill>
@@ -23870,14 +23870,14 @@
               <a:t>Distributed, consensus based</a:t>
             </a:r>
             <a:r>
-              <a:rPr lang="en-US" sz="1400">
+              <a:rPr lang="en-US" sz="1400" dirty="0">
                 <a:latin typeface="Catamaran Light" panose="020B0604020202020204" charset="0"/>
                 <a:cs typeface="Catamaran Light" panose="020B0604020202020204" charset="0"/>
               </a:rPr>
               <a:t>, </a:t>
             </a:r>
             <a:r>
-              <a:rPr lang="en-US" sz="1400">
+              <a:rPr lang="en-US" sz="1400" dirty="0">
                 <a:solidFill>
                   <a:schemeClr val="tx1"/>
                 </a:solidFill>
@@ -23899,14 +23899,14 @@
               <a:buChar char="•"/>
             </a:pPr>
             <a:r>
-              <a:rPr lang="en-US" sz="1400">
+              <a:rPr lang="en-US" sz="1400" dirty="0">
                 <a:latin typeface="Catamaran Light" panose="020B0604020202020204" charset="0"/>
                 <a:cs typeface="Catamaran Light" panose="020B0604020202020204" charset="0"/>
               </a:rPr>
               <a:t>Primary data storage </a:t>
             </a:r>
             <a:r>
-              <a:rPr lang="en-US" sz="1400">
+              <a:rPr lang="en-US" sz="1400" dirty="0">
                 <a:solidFill>
                   <a:schemeClr val="tx1"/>
                 </a:solidFill>
@@ -23928,7 +23928,7 @@
               <a:buChar char="•"/>
             </a:pPr>
             <a:r>
-              <a:rPr lang="en-US" sz="1400">
+              <a:rPr lang="en-US" sz="1400" dirty="0">
                 <a:solidFill>
                   <a:schemeClr val="tx1"/>
                 </a:solidFill>
@@ -23938,13 +23938,13 @@
               <a:t>Store information</a:t>
             </a:r>
             <a:r>
-              <a:rPr lang="en-US" sz="1400">
+              <a:rPr lang="en-US" sz="1400" dirty="0">
                 <a:latin typeface="Catamaran Light" panose="020B0604020202020204" charset="0"/>
                 <a:cs typeface="Catamaran Light" panose="020B0604020202020204" charset="0"/>
               </a:rPr>
               <a:t>:</a:t>
             </a:r>
-            <a:endParaRPr lang="en-US" sz="1400">
+            <a:endParaRPr lang="en-US" sz="1400" dirty="0">
               <a:solidFill>
                 <a:schemeClr val="tx1"/>
               </a:solidFill>
@@ -23964,7 +23964,7 @@
               <a:buChar char="•"/>
             </a:pPr>
             <a:r>
-              <a:rPr lang="en-US" sz="1400">
+              <a:rPr lang="en-US" sz="1400" dirty="0">
                 <a:latin typeface="Catamaran Light" panose="020B0604020202020204" charset="0"/>
                 <a:cs typeface="Catamaran Light" panose="020B0604020202020204" charset="0"/>
               </a:rPr>
@@ -23983,7 +23983,7 @@
               <a:buChar char="•"/>
             </a:pPr>
             <a:r>
-              <a:rPr lang="en-US" sz="1400">
+              <a:rPr lang="en-US" sz="1400" dirty="0">
                 <a:latin typeface="Catamaran Light" panose="020B0604020202020204" charset="0"/>
                 <a:cs typeface="Catamaran Light" panose="020B0604020202020204" charset="0"/>
               </a:rPr>
@@ -24002,13 +24002,13 @@
               <a:buChar char="•"/>
             </a:pPr>
             <a:r>
-              <a:rPr lang="en-US" sz="1400">
+              <a:rPr lang="en-US" sz="1400" dirty="0">
                 <a:latin typeface="Catamaran Light" panose="020B0604020202020204" charset="0"/>
                 <a:cs typeface="Catamaran Light" panose="020B0604020202020204" charset="0"/>
               </a:rPr>
               <a:t>Config map, secret </a:t>
             </a:r>
-            <a:endParaRPr lang="en-US" sz="1400">
+            <a:endParaRPr lang="en-US" sz="1400" dirty="0">
               <a:solidFill>
                 <a:schemeClr val="tx1"/>
               </a:solidFill>
@@ -24028,7 +24028,7 @@
               <a:buChar char="•"/>
             </a:pPr>
             <a:r>
-              <a:rPr lang="en-US" sz="1400">
+              <a:rPr lang="en-US" sz="1400" dirty="0">
                 <a:latin typeface="Catamaran Light" panose="020B0604020202020204" charset="0"/>
                 <a:cs typeface="Catamaran Light" panose="020B0604020202020204" charset="0"/>
               </a:rPr>
@@ -24047,14 +24047,14 @@
               <a:buChar char="•"/>
             </a:pPr>
             <a:r>
-              <a:rPr lang="en-US" sz="1400">
+              <a:rPr lang="en-US" sz="1400" dirty="0">
                 <a:latin typeface="Catamaran Light" panose="020B0604020202020204" charset="0"/>
                 <a:cs typeface="Catamaran Light" panose="020B0604020202020204" charset="0"/>
               </a:rPr>
               <a:t>Is a Tool: </a:t>
             </a:r>
             <a:r>
-              <a:rPr lang="en-US" sz="1400">
+              <a:rPr lang="en-US" sz="1400" dirty="0">
                 <a:latin typeface="Catamaran Light" panose="020B0604020202020204" charset="0"/>
                 <a:cs typeface="Catamaran Light" panose="020B0604020202020204" charset="0"/>
                 <a:hlinkClick r:id="rId3"/>
@@ -24062,13 +24062,13 @@
               <a:t>https://etcd.io/</a:t>
             </a:r>
             <a:r>
-              <a:rPr lang="en-US" sz="1400">
+              <a:rPr lang="en-US" sz="1400" dirty="0">
                 <a:latin typeface="Catamaran Light" panose="020B0604020202020204" charset="0"/>
                 <a:cs typeface="Catamaran Light" panose="020B0604020202020204" charset="0"/>
               </a:rPr>
               <a:t> </a:t>
             </a:r>
-            <a:endParaRPr lang="en-US" sz="1400">
+            <a:endParaRPr lang="en-US" sz="1400" dirty="0">
               <a:solidFill>
                 <a:schemeClr val="tx1"/>
               </a:solidFill>
@@ -24648,6 +24648,43 @@
               <a:latin typeface="Livvic" pitchFamily="2" charset="0"/>
               <a:cs typeface="Catamaran Light" panose="020B0604020202020204" charset="0"/>
             </a:endParaRPr>
+          </a:p>
+        </p:txBody>
+      </p:sp>
+      <p:sp>
+        <p:nvSpPr>
+          <p:cNvPr id="8" name="Textfeld 7">
+            <a:extLst>
+              <a:ext uri="{FF2B5EF4-FFF2-40B4-BE49-F238E27FC236}">
+                <a16:creationId xmlns:a16="http://schemas.microsoft.com/office/drawing/2014/main" id="{DF1907AD-72A9-A0A9-F1EE-083171D55679}"/>
+              </a:ext>
+            </a:extLst>
+          </p:cNvPr>
+          <p:cNvSpPr txBox="1"/>
+          <p:nvPr/>
+        </p:nvSpPr>
+        <p:spPr>
+          <a:xfrm>
+            <a:off x="291583" y="6368622"/>
+            <a:ext cx="2896785" cy="276999"/>
+          </a:xfrm>
+          <a:prstGeom prst="rect">
+            <a:avLst/>
+          </a:prstGeom>
+          <a:noFill/>
+        </p:spPr>
+        <p:txBody>
+          <a:bodyPr wrap="square" rtlCol="0">
+            <a:spAutoFit/>
+          </a:bodyPr>
+          <a:lstStyle/>
+          <a:p>
+            <a:r>
+              <a:rPr lang="en-US" sz="1200" dirty="0">
+                <a:latin typeface="+mj-lt"/>
+              </a:rPr>
+              <a:t>Source [22], [23] </a:t>
+            </a:r>
           </a:p>
         </p:txBody>
       </p:sp>
@@ -24714,7 +24751,7 @@
               <a:buChar char="•"/>
             </a:pPr>
             <a:r>
-              <a:rPr lang="en-US">
+              <a:rPr lang="en-US" dirty="0">
                 <a:solidFill>
                   <a:schemeClr val="tx1"/>
                 </a:solidFill>
@@ -24733,7 +24770,7 @@
               <a:buChar char="•"/>
             </a:pPr>
             <a:r>
-              <a:rPr lang="en-US">
+              <a:rPr lang="en-US" dirty="0">
                 <a:solidFill>
                   <a:schemeClr val="tx1"/>
                 </a:solidFill>
@@ -24743,7 +24780,7 @@
               <a:t>Monitor cluster state to guarantee</a:t>
             </a:r>
             <a:br>
-              <a:rPr lang="en-US">
+              <a:rPr lang="en-US" dirty="0">
                 <a:solidFill>
                   <a:schemeClr val="tx1"/>
                 </a:solidFill>
@@ -24752,7 +24789,7 @@
               </a:rPr>
             </a:br>
             <a:r>
-              <a:rPr lang="en-US">
+              <a:rPr lang="en-US" dirty="0">
                 <a:solidFill>
                   <a:schemeClr val="tx1"/>
                 </a:solidFill>
@@ -24771,7 +24808,7 @@
               <a:buChar char="•"/>
             </a:pPr>
             <a:r>
-              <a:rPr lang="en-US">
+              <a:rPr lang="en-US" dirty="0">
                 <a:solidFill>
                   <a:schemeClr val="tx1"/>
                 </a:solidFill>
@@ -24781,7 +24818,7 @@
               <a:t>Ensure that pods are specified</a:t>
             </a:r>
             <a:br>
-              <a:rPr lang="en-US">
+              <a:rPr lang="en-US" dirty="0">
                 <a:solidFill>
                   <a:schemeClr val="tx1"/>
                 </a:solidFill>
@@ -24790,7 +24827,7 @@
               </a:rPr>
             </a:br>
             <a:r>
-              <a:rPr lang="en-US">
+              <a:rPr lang="en-US" dirty="0">
                 <a:solidFill>
                   <a:schemeClr val="tx1"/>
                 </a:solidFill>
@@ -25527,6 +25564,46 @@
             <a:endParaRPr lang="en-US" b="1">
               <a:latin typeface="Livvic" pitchFamily="2" charset="0"/>
               <a:cs typeface="Catamaran Light" panose="020B0604020202020204" charset="0"/>
+            </a:endParaRPr>
+          </a:p>
+        </p:txBody>
+      </p:sp>
+      <p:sp>
+        <p:nvSpPr>
+          <p:cNvPr id="3" name="Textfeld 2">
+            <a:extLst>
+              <a:ext uri="{FF2B5EF4-FFF2-40B4-BE49-F238E27FC236}">
+                <a16:creationId xmlns:a16="http://schemas.microsoft.com/office/drawing/2014/main" id="{A4407DDA-EE6F-086E-D536-AFE40CF7C66C}"/>
+              </a:ext>
+            </a:extLst>
+          </p:cNvPr>
+          <p:cNvSpPr txBox="1"/>
+          <p:nvPr/>
+        </p:nvSpPr>
+        <p:spPr>
+          <a:xfrm>
+            <a:off x="291583" y="6368622"/>
+            <a:ext cx="2896785" cy="276999"/>
+          </a:xfrm>
+          <a:prstGeom prst="rect">
+            <a:avLst/>
+          </a:prstGeom>
+          <a:noFill/>
+        </p:spPr>
+        <p:txBody>
+          <a:bodyPr wrap="square" rtlCol="0">
+            <a:spAutoFit/>
+          </a:bodyPr>
+          <a:lstStyle/>
+          <a:p>
+            <a:r>
+              <a:rPr lang="en-US" sz="1200">
+                <a:latin typeface="+mj-lt"/>
+              </a:rPr>
+              <a:t>Source [25] </a:t>
+            </a:r>
+            <a:endParaRPr lang="en-US" sz="1200" dirty="0">
+              <a:latin typeface="+mj-lt"/>
             </a:endParaRPr>
           </a:p>
         </p:txBody>
@@ -25991,13 +26068,13 @@
               <a:buChar char="•"/>
             </a:pPr>
             <a:r>
-              <a:rPr lang="en-US">
+              <a:rPr lang="en-US" dirty="0">
                 <a:latin typeface="Catamaran Light" panose="020B0604020202020204" charset="0"/>
                 <a:cs typeface="Catamaran Light" panose="020B0604020202020204" charset="0"/>
               </a:rPr>
               <a:t>Enable some security measures yourself </a:t>
             </a:r>
-            <a:endParaRPr lang="en-US">
+            <a:endParaRPr lang="en-US" dirty="0">
               <a:solidFill>
                 <a:schemeClr val="tx1"/>
               </a:solidFill>
@@ -26014,7 +26091,7 @@
               <a:buChar char="•"/>
             </a:pPr>
             <a:r>
-              <a:rPr lang="en-US">
+              <a:rPr lang="en-US" dirty="0">
                 <a:solidFill>
                   <a:schemeClr val="tx1"/>
                 </a:solidFill>
@@ -26033,7 +26110,7 @@
               <a:buChar char="•"/>
             </a:pPr>
             <a:r>
-              <a:rPr lang="en-US">
+              <a:rPr lang="en-US" dirty="0">
                 <a:latin typeface="Catamaran Light" panose="020B0604020202020204" charset="0"/>
                 <a:cs typeface="Catamaran Light" panose="020B0604020202020204" charset="0"/>
               </a:rPr>
@@ -26075,15 +26152,45 @@
               <a:buChar char="•"/>
             </a:pPr>
             <a:r>
-              <a:rPr lang="en-US">
+              <a:rPr lang="en-US" dirty="0">
                 <a:solidFill>
                   <a:schemeClr val="tx1"/>
                 </a:solidFill>
                 <a:latin typeface="Catamaran Light" panose="020B0604020202020204" charset="0"/>
                 <a:cs typeface="Catamaran Light" panose="020B0604020202020204" charset="0"/>
               </a:rPr>
-              <a:t>Scan container images for CVEs </a:t>
-            </a:r>
+              <a:t>Scan container images for </a:t>
+            </a:r>
+            <a:r>
+              <a:rPr lang="en-US" dirty="0">
+                <a:latin typeface="Catamaran Light" panose="020B0604020202020204" charset="0"/>
+                <a:cs typeface="Catamaran Light" panose="020B0604020202020204" charset="0"/>
+              </a:rPr>
+              <a:t>critical vulnerabilities </a:t>
+            </a:r>
+          </a:p>
+          <a:p>
+            <a:pPr fontAlgn="base">
+              <a:lnSpc>
+                <a:spcPct val="150000"/>
+              </a:lnSpc>
+              <a:buFont typeface="Arial" panose="020B0604020202020204" pitchFamily="34" charset="0"/>
+              <a:buChar char="•"/>
+            </a:pPr>
+            <a:r>
+              <a:rPr lang="en-US" dirty="0">
+                <a:solidFill>
+                  <a:schemeClr val="tx1"/>
+                </a:solidFill>
+                <a:latin typeface="Catamaran Light" panose="020B0604020202020204" charset="0"/>
+                <a:cs typeface="Catamaran Light" panose="020B0604020202020204" charset="0"/>
+              </a:rPr>
+              <a:t>No harmful images in deployment</a:t>
+            </a:r>
+            <a:endParaRPr lang="en-US" dirty="0">
+              <a:latin typeface="Catamaran Light" panose="020B0604020202020204" charset="0"/>
+              <a:cs typeface="Catamaran Light" panose="020B0604020202020204" charset="0"/>
+            </a:endParaRPr>
           </a:p>
           <a:p>
             <a:pPr algn="l" rtl="0" fontAlgn="base">
@@ -26094,15 +26201,89 @@
               <a:buChar char="•"/>
             </a:pPr>
             <a:r>
-              <a:rPr lang="en-US">
+              <a:rPr lang="en-US" dirty="0">
                 <a:solidFill>
                   <a:schemeClr val="tx1"/>
                 </a:solidFill>
                 <a:latin typeface="Catamaran Light" panose="020B0604020202020204" charset="0"/>
                 <a:cs typeface="Catamaran Light" panose="020B0604020202020204" charset="0"/>
               </a:rPr>
-              <a:t>No harmful images in deployment or registries </a:t>
-            </a:r>
+              <a:t>Part of deployment process in CI/CD pipeline </a:t>
+            </a:r>
+          </a:p>
+          <a:p>
+            <a:pPr fontAlgn="base">
+              <a:lnSpc>
+                <a:spcPct val="150000"/>
+              </a:lnSpc>
+              <a:buFont typeface="Arial" panose="020B0604020202020204" pitchFamily="34" charset="0"/>
+              <a:buChar char="•"/>
+            </a:pPr>
+            <a:r>
+              <a:rPr lang="en-US" dirty="0">
+                <a:solidFill>
+                  <a:schemeClr val="tx1"/>
+                </a:solidFill>
+                <a:latin typeface="Catamaran Light" panose="020B0604020202020204" charset="0"/>
+                <a:cs typeface="Catamaran Light" panose="020B0604020202020204" charset="0"/>
+              </a:rPr>
+              <a:t>External tools like </a:t>
+            </a:r>
+            <a:r>
+              <a:rPr lang="en-US" dirty="0" err="1">
+                <a:solidFill>
+                  <a:schemeClr val="tx1"/>
+                </a:solidFill>
+                <a:latin typeface="Catamaran Light" panose="020B0604020202020204" charset="0"/>
+                <a:cs typeface="Catamaran Light" panose="020B0604020202020204" charset="0"/>
+              </a:rPr>
+              <a:t>Trivy</a:t>
+            </a:r>
+            <a:r>
+              <a:rPr lang="en-US" dirty="0">
+                <a:solidFill>
+                  <a:schemeClr val="tx1"/>
+                </a:solidFill>
+                <a:latin typeface="Catamaran Light" panose="020B0604020202020204" charset="0"/>
+                <a:cs typeface="Catamaran Light" panose="020B0604020202020204" charset="0"/>
+              </a:rPr>
+              <a:t> (</a:t>
+            </a:r>
+            <a:r>
+              <a:rPr lang="en-US" dirty="0">
+                <a:solidFill>
+                  <a:schemeClr val="tx1"/>
+                </a:solidFill>
+                <a:latin typeface="Catamaran Light" panose="020B0604020202020204" charset="0"/>
+                <a:cs typeface="Catamaran Light" panose="020B0604020202020204" charset="0"/>
+                <a:hlinkClick r:id="rId3"/>
+              </a:rPr>
+              <a:t>https://aquasecurity.github.io/trivy/v0.34/</a:t>
+            </a:r>
+            <a:r>
+              <a:rPr lang="en-US" dirty="0">
+                <a:solidFill>
+                  <a:schemeClr val="tx1"/>
+                </a:solidFill>
+                <a:latin typeface="Catamaran Light" panose="020B0604020202020204" charset="0"/>
+                <a:cs typeface="Catamaran Light" panose="020B0604020202020204" charset="0"/>
+              </a:rPr>
+              <a:t> </a:t>
+            </a:r>
+            <a:r>
+              <a:rPr lang="en-US" dirty="0">
+                <a:latin typeface="Catamaran Light" panose="020B0604020202020204" charset="0"/>
+                <a:cs typeface="Catamaran Light" panose="020B0604020202020204" charset="0"/>
+              </a:rPr>
+              <a:t>)</a:t>
+            </a:r>
+            <a:endParaRPr lang="en-US" dirty="0">
+              <a:solidFill>
+                <a:schemeClr val="tx1"/>
+              </a:solidFill>
+              <a:latin typeface="Catamaran Light" panose="020B0604020202020204" charset="0"/>
+              <a:cs typeface="Catamaran Light" panose="020B0604020202020204" charset="0"/>
+            </a:endParaRPr>
           </a:p>
           <a:p>
             <a:pPr algn="l" rtl="0" fontAlgn="base">
@@ -26113,111 +26294,14 @@
               <a:buChar char="•"/>
             </a:pPr>
             <a:r>
-              <a:rPr lang="en-US">
+              <a:rPr lang="en-US" dirty="0">
                 <a:latin typeface="Catamaran Light" panose="020B0604020202020204" charset="0"/>
                 <a:cs typeface="Catamaran Light" panose="020B0604020202020204" charset="0"/>
               </a:rPr>
-              <a:t>Scan image regularly in registry </a:t>
-            </a:r>
-            <a:endParaRPr lang="en-US">
-              <a:solidFill>
-                <a:schemeClr val="tx1"/>
-              </a:solidFill>
-              <a:latin typeface="Catamaran Light" panose="020B0604020202020204" charset="0"/>
-              <a:cs typeface="Catamaran Light" panose="020B0604020202020204" charset="0"/>
-            </a:endParaRPr>
-          </a:p>
-          <a:p>
-            <a:pPr fontAlgn="base">
-              <a:lnSpc>
-                <a:spcPct val="150000"/>
-              </a:lnSpc>
-              <a:buFont typeface="Arial" panose="020B0604020202020204" pitchFamily="34" charset="0"/>
-              <a:buChar char="•"/>
-            </a:pPr>
-            <a:r>
-              <a:rPr lang="en-US">
-                <a:solidFill>
-                  <a:schemeClr val="tx1"/>
-                </a:solidFill>
-                <a:latin typeface="Catamaran Light" panose="020B0604020202020204" charset="0"/>
-                <a:cs typeface="Catamaran Light" panose="020B0604020202020204" charset="0"/>
-              </a:rPr>
-              <a:t>External tools like </a:t>
-            </a:r>
-            <a:r>
-              <a:rPr lang="en-US" err="1">
-                <a:solidFill>
-                  <a:schemeClr val="tx1"/>
-                </a:solidFill>
-                <a:latin typeface="Catamaran Light" panose="020B0604020202020204" charset="0"/>
-                <a:cs typeface="Catamaran Light" panose="020B0604020202020204" charset="0"/>
-              </a:rPr>
-              <a:t>Trivy</a:t>
-            </a:r>
-            <a:r>
-              <a:rPr lang="en-US">
-                <a:solidFill>
-                  <a:schemeClr val="tx1"/>
-                </a:solidFill>
-                <a:latin typeface="Catamaran Light" panose="020B0604020202020204" charset="0"/>
-                <a:cs typeface="Catamaran Light" panose="020B0604020202020204" charset="0"/>
-              </a:rPr>
-              <a:t> (</a:t>
-            </a:r>
-            <a:r>
-              <a:rPr lang="en-US">
-                <a:solidFill>
-                  <a:schemeClr val="tx1"/>
-                </a:solidFill>
-                <a:latin typeface="Catamaran Light" panose="020B0604020202020204" charset="0"/>
-                <a:cs typeface="Catamaran Light" panose="020B0604020202020204" charset="0"/>
-                <a:hlinkClick r:id="rId3"/>
-              </a:rPr>
-              <a:t>https://aquasecurity.github.io/trivy/v0.34/</a:t>
-            </a:r>
-            <a:r>
-              <a:rPr lang="en-US">
-                <a:solidFill>
-                  <a:schemeClr val="tx1"/>
-                </a:solidFill>
-                <a:latin typeface="Catamaran Light" panose="020B0604020202020204" charset="0"/>
-                <a:cs typeface="Catamaran Light" panose="020B0604020202020204" charset="0"/>
-              </a:rPr>
-              <a:t> </a:t>
-            </a:r>
-            <a:r>
-              <a:rPr lang="en-US">
-                <a:latin typeface="Catamaran Light" panose="020B0604020202020204" charset="0"/>
-                <a:cs typeface="Catamaran Light" panose="020B0604020202020204" charset="0"/>
-              </a:rPr>
-              <a:t>)</a:t>
-            </a:r>
-            <a:endParaRPr lang="en-US">
-              <a:solidFill>
-                <a:schemeClr val="tx1"/>
-              </a:solidFill>
-              <a:latin typeface="Catamaran Light" panose="020B0604020202020204" charset="0"/>
-              <a:cs typeface="Catamaran Light" panose="020B0604020202020204" charset="0"/>
-            </a:endParaRPr>
-          </a:p>
-          <a:p>
-            <a:pPr algn="l" rtl="0" fontAlgn="base">
-              <a:lnSpc>
-                <a:spcPct val="150000"/>
-              </a:lnSpc>
-              <a:buFont typeface="Arial" panose="020B0604020202020204" pitchFamily="34" charset="0"/>
-              <a:buChar char="•"/>
-            </a:pPr>
-            <a:r>
-              <a:rPr lang="en-US">
-                <a:latin typeface="Catamaran Light" panose="020B0604020202020204" charset="0"/>
-                <a:cs typeface="Catamaran Light" panose="020B0604020202020204" charset="0"/>
-              </a:rPr>
               <a:t>Find CVEs: </a:t>
             </a:r>
             <a:r>
-              <a:rPr lang="en-US">
+              <a:rPr lang="en-US" dirty="0">
                 <a:latin typeface="Catamaran Light" panose="020B0604020202020204" charset="0"/>
                 <a:cs typeface="Catamaran Light" panose="020B0604020202020204" charset="0"/>
                 <a:hlinkClick r:id="rId4"/>
@@ -26225,14 +26309,14 @@
               <a:t>https://www.aquasec.com/cloud-native-academy/kubernetes-101/kubernetes-vulnerability-scanning/</a:t>
             </a:r>
             <a:r>
-              <a:rPr lang="en-US">
+              <a:rPr lang="en-US" dirty="0">
                 <a:latin typeface="Catamaran Light" panose="020B0604020202020204" charset="0"/>
                 <a:cs typeface="Catamaran Light" panose="020B0604020202020204" charset="0"/>
               </a:rPr>
               <a:t> </a:t>
             </a:r>
             <a:r>
-              <a:rPr lang="en-US">
+              <a:rPr lang="en-US" dirty="0">
                 <a:solidFill>
                   <a:schemeClr val="tx1"/>
                 </a:solidFill>
@@ -26315,7 +26399,7 @@
           <a:lstStyle/>
           <a:p>
             <a:r>
-              <a:rPr lang="en-US" b="1">
+              <a:rPr lang="en-US" b="1" dirty="0">
                 <a:solidFill>
                   <a:schemeClr val="tx1"/>
                 </a:solidFill>
@@ -26360,6 +26444,43 @@
                 <a:latin typeface="Livvic" pitchFamily="2" charset="0"/>
               </a:rPr>
               <a:t>18</a:t>
+            </a:r>
+          </a:p>
+        </p:txBody>
+      </p:sp>
+      <p:sp>
+        <p:nvSpPr>
+          <p:cNvPr id="5" name="Textfeld 4">
+            <a:extLst>
+              <a:ext uri="{FF2B5EF4-FFF2-40B4-BE49-F238E27FC236}">
+                <a16:creationId xmlns:a16="http://schemas.microsoft.com/office/drawing/2014/main" id="{F436D4C8-1178-7B92-DB16-F356086CAC38}"/>
+              </a:ext>
+            </a:extLst>
+          </p:cNvPr>
+          <p:cNvSpPr txBox="1"/>
+          <p:nvPr/>
+        </p:nvSpPr>
+        <p:spPr>
+          <a:xfrm>
+            <a:off x="291583" y="6368622"/>
+            <a:ext cx="2896785" cy="276999"/>
+          </a:xfrm>
+          <a:prstGeom prst="rect">
+            <a:avLst/>
+          </a:prstGeom>
+          <a:noFill/>
+        </p:spPr>
+        <p:txBody>
+          <a:bodyPr wrap="square" rtlCol="0">
+            <a:spAutoFit/>
+          </a:bodyPr>
+          <a:lstStyle/>
+          <a:p>
+            <a:r>
+              <a:rPr lang="en-US" sz="1200" dirty="0">
+                <a:latin typeface="+mj-lt"/>
+              </a:rPr>
+              <a:t>Source [26], [27], [28]  </a:t>
             </a:r>
           </a:p>
         </p:txBody>
@@ -26588,45 +26709,45 @@
               <a:buChar char="•"/>
             </a:pPr>
             <a:r>
-              <a:rPr lang="en-US">
-                <a:solidFill>
-                  <a:srgbClr val="FF0000"/>
-                </a:solidFill>
+              <a:rPr lang="en-US" dirty="0">
                 <a:latin typeface="Catamaran Light" panose="020B0604020202020204" charset="0"/>
                 <a:cs typeface="Catamaran Light" panose="020B0604020202020204" charset="0"/>
               </a:rPr>
-              <a:t>Kubernetes components (access to </a:t>
-            </a:r>
-            <a:r>
-              <a:rPr lang="en-US" err="1">
-                <a:solidFill>
-                  <a:srgbClr val="FF0000"/>
-                </a:solidFill>
-                <a:latin typeface="Catamaran Light" panose="020B0604020202020204" charset="0"/>
-                <a:cs typeface="Catamaran Light" panose="020B0604020202020204" charset="0"/>
-              </a:rPr>
-              <a:t>kubelet</a:t>
-            </a:r>
-            <a:r>
-              <a:rPr lang="en-US">
-                <a:solidFill>
-                  <a:srgbClr val="FF0000"/>
-                </a:solidFill>
-                <a:latin typeface="Catamaran Light" panose="020B0604020202020204" charset="0"/>
-                <a:cs typeface="Catamaran Light" panose="020B0604020202020204" charset="0"/>
-              </a:rPr>
-              <a:t>?) </a:t>
-            </a:r>
-          </a:p>
-          <a:p>
-            <a:pPr algn="l" rtl="0" fontAlgn="base">
+              <a:t>Kubernetes components: </a:t>
+            </a:r>
+          </a:p>
+          <a:p>
+            <a:pPr lvl="1" fontAlgn="base">
+              <a:lnSpc>
+                <a:spcPct val="150000"/>
+              </a:lnSpc>
               <a:buFont typeface="Arial" panose="020B0604020202020204" pitchFamily="34" charset="0"/>
               <a:buChar char="•"/>
             </a:pPr>
-            <a:endParaRPr lang="de-DE">
-              <a:solidFill>
-                <a:schemeClr val="tx1"/>
-              </a:solidFill>
+            <a:r>
+              <a:rPr lang="en-US" dirty="0" err="1">
+                <a:latin typeface="Catamaran Light" panose="020B0604020202020204" charset="0"/>
+                <a:cs typeface="Catamaran Light" panose="020B0604020202020204" charset="0"/>
+              </a:rPr>
+              <a:t>Kubelet</a:t>
+            </a:r>
+            <a:r>
+              <a:rPr lang="en-US" dirty="0">
+                <a:latin typeface="Catamaran Light" panose="020B0604020202020204" charset="0"/>
+                <a:cs typeface="Catamaran Light" panose="020B0604020202020204" charset="0"/>
+              </a:rPr>
+              <a:t>: unauthenticated access to API by default </a:t>
+            </a:r>
+          </a:p>
+          <a:p>
+            <a:pPr lvl="1" fontAlgn="base">
+              <a:lnSpc>
+                <a:spcPct val="150000"/>
+              </a:lnSpc>
+              <a:buFont typeface="Arial" panose="020B0604020202020204" pitchFamily="34" charset="0"/>
+              <a:buChar char="•"/>
+            </a:pPr>
+            <a:endParaRPr lang="en-US" dirty="0">
               <a:latin typeface="Catamaran Light" panose="020B0604020202020204" charset="0"/>
               <a:cs typeface="Catamaran Light" panose="020B0604020202020204" charset="0"/>
             </a:endParaRPr>
@@ -26666,7 +26787,7 @@
               <a:buChar char="•"/>
             </a:pPr>
             <a:r>
-              <a:rPr lang="en-US">
+              <a:rPr lang="en-US" dirty="0">
                 <a:solidFill>
                   <a:schemeClr val="tx1"/>
                 </a:solidFill>
@@ -26685,11 +26806,14 @@
               <a:buChar char="•"/>
             </a:pPr>
             <a:r>
-              <a:rPr lang="en-US">
+              <a:rPr lang="en-US" dirty="0">
+                <a:solidFill>
+                  <a:schemeClr val="tx1"/>
+                </a:solidFill>
                 <a:latin typeface="Catamaran Light" panose="020B0604020202020204" charset="0"/>
                 <a:cs typeface="Catamaran Light" panose="020B0604020202020204" charset="0"/>
               </a:rPr>
-              <a:t>Attackers might read communication between pods in plain text </a:t>
+              <a:t>Read communication in plain text </a:t>
             </a:r>
           </a:p>
           <a:p>
@@ -26701,14 +26825,47 @@
               <a:buChar char="•"/>
             </a:pPr>
             <a:r>
-              <a:rPr lang="en-US">
+              <a:rPr lang="en-US" dirty="0">
+                <a:latin typeface="Catamaran Light" panose="020B0604020202020204" charset="0"/>
+                <a:cs typeface="Catamaran Light" panose="020B0604020202020204" charset="0"/>
+              </a:rPr>
+              <a:t>Establish c</a:t>
+            </a:r>
+            <a:r>
+              <a:rPr lang="en-US" dirty="0">
                 <a:solidFill>
                   <a:schemeClr val="tx1"/>
                 </a:solidFill>
                 <a:latin typeface="Catamaran Light" panose="020B0604020202020204" charset="0"/>
                 <a:cs typeface="Catamaran Light" panose="020B0604020202020204" charset="0"/>
               </a:rPr>
-              <a:t>TLS </a:t>
+              <a:t>ommunication rules </a:t>
+            </a:r>
+          </a:p>
+          <a:p>
+            <a:pPr algn="l" rtl="0" fontAlgn="base">
+              <a:lnSpc>
+                <a:spcPct val="150000"/>
+              </a:lnSpc>
+              <a:buFont typeface="Arial" panose="020B0604020202020204" pitchFamily="34" charset="0"/>
+              <a:buChar char="•"/>
+            </a:pPr>
+            <a:r>
+              <a:rPr lang="en-US" dirty="0">
+                <a:latin typeface="Catamaran Light" panose="020B0604020202020204" charset="0"/>
+                <a:cs typeface="Catamaran Light" panose="020B0604020202020204" charset="0"/>
+              </a:rPr>
+              <a:t>Enable TLS between pods </a:t>
+            </a:r>
+            <a:r>
+              <a:rPr lang="en-US" dirty="0">
+                <a:solidFill>
+                  <a:schemeClr val="tx1"/>
+                </a:solidFill>
+                <a:latin typeface="Catamaran Light" panose="020B0604020202020204" charset="0"/>
+                <a:cs typeface="Catamaran Light" panose="020B0604020202020204" charset="0"/>
+              </a:rPr>
+              <a:t> </a:t>
             </a:r>
           </a:p>
         </p:txBody>
@@ -26837,6 +26994,43 @@
                 <a:latin typeface="Livvic" pitchFamily="2" charset="0"/>
               </a:rPr>
               <a:t>19</a:t>
+            </a:r>
+          </a:p>
+        </p:txBody>
+      </p:sp>
+      <p:sp>
+        <p:nvSpPr>
+          <p:cNvPr id="5" name="Textfeld 4">
+            <a:extLst>
+              <a:ext uri="{FF2B5EF4-FFF2-40B4-BE49-F238E27FC236}">
+                <a16:creationId xmlns:a16="http://schemas.microsoft.com/office/drawing/2014/main" id="{27290B99-6EC4-346B-421B-C32E1DBF8291}"/>
+              </a:ext>
+            </a:extLst>
+          </p:cNvPr>
+          <p:cNvSpPr txBox="1"/>
+          <p:nvPr/>
+        </p:nvSpPr>
+        <p:spPr>
+          <a:xfrm>
+            <a:off x="291583" y="6368622"/>
+            <a:ext cx="2896785" cy="276999"/>
+          </a:xfrm>
+          <a:prstGeom prst="rect">
+            <a:avLst/>
+          </a:prstGeom>
+          <a:noFill/>
+        </p:spPr>
+        <p:txBody>
+          <a:bodyPr wrap="square" rtlCol="0">
+            <a:spAutoFit/>
+          </a:bodyPr>
+          <a:lstStyle/>
+          <a:p>
+            <a:r>
+              <a:rPr lang="en-US" sz="1200" dirty="0">
+                <a:latin typeface="+mj-lt"/>
+              </a:rPr>
+              <a:t>Source [26], [27], [28]  </a:t>
             </a:r>
           </a:p>
         </p:txBody>
@@ -27890,7 +28084,7 @@
         <p:spPr>
           <a:xfrm>
             <a:off x="1327587" y="870219"/>
-            <a:ext cx="8886825" cy="5398337"/>
+            <a:ext cx="8886825" cy="5613268"/>
           </a:xfrm>
           <a:prstGeom prst="rect">
             <a:avLst/>
@@ -27909,14 +28103,14 @@
               </a:lnSpc>
             </a:pPr>
             <a:r>
-              <a:rPr lang="en-US" sz="1100" b="0" i="0">
+              <a:rPr lang="en-US" sz="800" b="0" i="0" dirty="0">
                 <a:effectLst/>
                 <a:latin typeface="+mj-lt"/>
               </a:rPr>
               <a:t>[1] </a:t>
             </a:r>
             <a:r>
-              <a:rPr lang="en-US" sz="1100" b="0" i="0" strike="noStrike">
+              <a:rPr lang="en-US" sz="800" b="0" i="0" strike="noStrike" dirty="0">
                 <a:effectLst/>
                 <a:latin typeface="+mj-lt"/>
                 <a:hlinkClick r:id="rId3">
@@ -27929,7 +28123,7 @@
               </a:rPr>
               <a:t>https://kubernetes.io/docs/concepts/overview/</a:t>
             </a:r>
-            <a:endParaRPr lang="en-US" sz="1100" b="0" i="0">
+            <a:endParaRPr lang="en-US" sz="800" b="0" i="0" dirty="0">
               <a:effectLst/>
               <a:latin typeface="+mj-lt"/>
             </a:endParaRPr>
@@ -27941,20 +28135,20 @@
               </a:lnSpc>
             </a:pPr>
             <a:r>
-              <a:rPr lang="en-US" sz="1100">
+              <a:rPr lang="en-US" sz="800" dirty="0">
                 <a:latin typeface="+mj-lt"/>
               </a:rPr>
               <a:t>[</a:t>
             </a:r>
             <a:r>
-              <a:rPr lang="en-US" sz="1100" b="0" i="0">
+              <a:rPr lang="en-US" sz="800" b="0" i="0" dirty="0">
                 <a:effectLst/>
                 <a:latin typeface="+mj-lt"/>
               </a:rPr>
               <a:t>2] Official Documentation: </a:t>
             </a:r>
             <a:r>
-              <a:rPr lang="en-US" sz="1100" b="0" i="0" strike="noStrike">
+              <a:rPr lang="en-US" sz="800" b="0" i="0" strike="noStrike" dirty="0">
                 <a:effectLst/>
                 <a:latin typeface="+mj-lt"/>
                 <a:hlinkClick r:id="rId4">
@@ -27967,19 +28161,19 @@
               </a:rPr>
               <a:t>https://kubernetes.io/</a:t>
             </a:r>
-            <a:endParaRPr lang="en-US" sz="1100" b="0" i="0">
+            <a:endParaRPr lang="en-US" sz="800" b="0" i="0" dirty="0">
               <a:effectLst/>
               <a:latin typeface="+mj-lt"/>
             </a:endParaRPr>
           </a:p>
           <a:p>
-            <a:pPr algn="l">
+            <a:pPr>
               <a:lnSpc>
                 <a:spcPct val="150000"/>
               </a:lnSpc>
             </a:pPr>
             <a:r>
-              <a:rPr lang="en-US" sz="1100" b="0" i="0" strike="noStrike">
+              <a:rPr lang="en-US" sz="800" b="0" i="0" strike="noStrike" dirty="0">
                 <a:effectLst/>
                 <a:latin typeface="+mj-lt"/>
                 <a:hlinkClick r:id="rId5">
@@ -27993,40 +28187,33 @@
               <a:t>[3]</a:t>
             </a:r>
             <a:r>
-              <a:rPr lang="en-US" sz="1100">
+              <a:rPr lang="en-US" sz="800" dirty="0">
                 <a:latin typeface="+mj-lt"/>
               </a:rPr>
               <a:t> </a:t>
             </a:r>
             <a:r>
-              <a:rPr lang="en-US" sz="1100" b="0" i="0">
+              <a:rPr lang="en-US" sz="800" b="0" i="0" dirty="0">
                 <a:effectLst/>
                 <a:latin typeface="+mj-lt"/>
+                <a:hlinkClick r:id="rId6"/>
               </a:rPr>
               <a:t>https://www.youtube.com/watch?v=X48VuDVv0do</a:t>
             </a:r>
-          </a:p>
-          <a:p>
-            <a:pPr algn="l">
-              <a:lnSpc>
-                <a:spcPct val="150000"/>
-              </a:lnSpc>
-            </a:pPr>
-            <a:r>
-              <a:rPr lang="en-US" sz="1100" b="0" i="0" strike="noStrike">
+            <a:r>
+              <a:rPr lang="en-US" sz="800" b="0" i="0" dirty="0">
                 <a:effectLst/>
                 <a:latin typeface="+mj-lt"/>
-                <a:hlinkClick r:id="rId6">
-                  <a:extLst>
-                    <a:ext uri="{A12FA001-AC4F-418D-AE19-62706E023703}">
-                      <ahyp:hlinkClr xmlns:ahyp="http://schemas.microsoft.com/office/drawing/2018/hyperlinkcolor" val="tx"/>
-                    </a:ext>
-                  </a:extLst>
-                </a:hlinkClick>
-              </a:rPr>
-              <a:t>[4] https://en.wikipedia.org/wiki/Kubernetes</a:t>
-            </a:r>
-            <a:endParaRPr lang="en-US" sz="1100" b="0" i="0" strike="noStrike">
+              </a:rPr>
+              <a:t> </a:t>
+            </a:r>
+            <a:r>
+              <a:rPr lang="en-US" sz="800" noProof="0" dirty="0">
+                <a:latin typeface="+mj-lt"/>
+              </a:rPr>
+              <a:t>(Accessed: 21.09.2022)</a:t>
+            </a:r>
+            <a:endParaRPr lang="en-US" sz="800" b="0" i="0" dirty="0">
               <a:effectLst/>
               <a:latin typeface="+mj-lt"/>
             </a:endParaRPr>
@@ -28038,13 +28225,8 @@
               </a:lnSpc>
             </a:pPr>
             <a:r>
-              <a:rPr lang="en-US" sz="1100">
-                <a:latin typeface="+mj-lt"/>
-              </a:rPr>
-              <a:t>[5] </a:t>
-            </a:r>
-            <a:r>
-              <a:rPr lang="en-US" sz="1100">
+              <a:rPr lang="en-US" sz="800" b="0" i="0" strike="noStrike" dirty="0">
+                <a:effectLst/>
                 <a:latin typeface="+mj-lt"/>
                 <a:hlinkClick r:id="rId7">
                   <a:extLst>
@@ -28054,31 +28236,45 @@
                   </a:extLst>
                 </a:hlinkClick>
               </a:rPr>
-              <a:t>https://kubernetes.io/blog/2018/07/20/the-history-of-kubernetes-the-community-behind-it/</a:t>
-            </a:r>
-            <a:endParaRPr lang="en-US" sz="1100">
+              <a:t>[4] </a:t>
+            </a:r>
+            <a:r>
+              <a:rPr lang="en-US" sz="800" b="0" i="0" strike="noStrike" dirty="0">
+                <a:effectLst/>
+                <a:latin typeface="+mj-lt"/>
+                <a:hlinkClick r:id="rId7">
+                  <a:extLst>
+                    <a:ext uri="{A12FA001-AC4F-418D-AE19-62706E023703}">
+                      <ahyp:hlinkClr xmlns:ahyp="http://schemas.microsoft.com/office/drawing/2018/hyperlinkcolor" val="tx"/>
+                    </a:ext>
+                  </a:extLst>
+                </a:hlinkClick>
+              </a:rPr>
+              <a:t>https://en.wikipedia.org/wiki/Kubernetes</a:t>
+            </a:r>
+            <a:r>
+              <a:rPr lang="en-US" sz="800" b="0" i="0" strike="noStrike" dirty="0">
+                <a:effectLst/>
+                <a:latin typeface="+mj-lt"/>
+              </a:rPr>
+              <a:t> </a:t>
+            </a:r>
+            <a:r>
+              <a:rPr lang="en-US" sz="800" noProof="0" dirty="0">
+                <a:latin typeface="+mj-lt"/>
+              </a:rPr>
+              <a:t>(Accessed: 28.09.2022)</a:t>
+            </a:r>
+            <a:r>
+              <a:rPr lang="en-US" sz="800" dirty="0">
+                <a:latin typeface="+mj-lt"/>
+              </a:rPr>
+              <a:t> </a:t>
+            </a:r>
+            <a:endParaRPr lang="en-US" sz="800" b="0" i="0" strike="noStrike" dirty="0">
+              <a:effectLst/>
               <a:latin typeface="+mj-lt"/>
             </a:endParaRPr>
-          </a:p>
-          <a:p>
-            <a:pPr marL="0" lvl="0" indent="0" algn="l" rtl="0">
-              <a:lnSpc>
-                <a:spcPct val="150000"/>
-              </a:lnSpc>
-              <a:spcBef>
-                <a:spcPts val="0"/>
-              </a:spcBef>
-              <a:spcAft>
-                <a:spcPts val="0"/>
-              </a:spcAft>
-              <a:buNone/>
-            </a:pPr>
-            <a:r>
-              <a:rPr lang="en-US" sz="1100">
-                <a:latin typeface="+mj-lt"/>
-              </a:rPr>
-              <a:t>[6] https://kubernetes.io/case-studies/adidas/ </a:t>
-            </a:r>
           </a:p>
           <a:p>
             <a:pPr>
@@ -28087,112 +28283,13 @@
               </a:lnSpc>
             </a:pPr>
             <a:r>
-              <a:rPr lang="en-US" sz="1100">
+              <a:rPr lang="en-US" sz="800" dirty="0">
                 <a:latin typeface="+mj-lt"/>
               </a:rPr>
-              <a:t>[7] https://kubernetes.io/case-studies/pinterest/ </a:t>
-            </a:r>
-          </a:p>
-          <a:p>
-            <a:pPr>
-              <a:lnSpc>
-                <a:spcPct val="150000"/>
-              </a:lnSpc>
-            </a:pPr>
-            <a:r>
-              <a:rPr lang="en-US" sz="1100">
-                <a:latin typeface="+mj-lt"/>
-              </a:rPr>
-              <a:t>[8] https://kubernetes.io/case-studies/spotify/ </a:t>
-            </a:r>
-          </a:p>
-          <a:p>
-            <a:pPr>
-              <a:lnSpc>
-                <a:spcPct val="150000"/>
-              </a:lnSpc>
-            </a:pPr>
-            <a:r>
-              <a:rPr lang="en-US" sz="1100">
-                <a:latin typeface="+mj-lt"/>
-              </a:rPr>
-              <a:t>[9] https://www.jeremyjordan.me/kubernetes/ </a:t>
-            </a:r>
-          </a:p>
-          <a:p>
-            <a:pPr marL="0" lvl="0" indent="0" algn="l" rtl="0">
-              <a:lnSpc>
-                <a:spcPct val="150000"/>
-              </a:lnSpc>
-              <a:spcBef>
-                <a:spcPts val="0"/>
-              </a:spcBef>
-              <a:spcAft>
-                <a:spcPts val="0"/>
-              </a:spcAft>
-              <a:buNone/>
-            </a:pPr>
-            <a:r>
-              <a:rPr lang="en-US" sz="1100" noProof="0">
-                <a:latin typeface="+mj-lt"/>
-              </a:rPr>
-              <a:t>[10] https://kubernetes.io/docs/concepts/overview/#why-you-need-kubernetes-and-what-can-it-do </a:t>
-            </a:r>
-          </a:p>
-          <a:p>
-            <a:pPr marL="0" lvl="0" indent="0" algn="l" rtl="0">
-              <a:lnSpc>
-                <a:spcPct val="150000"/>
-              </a:lnSpc>
-              <a:spcBef>
-                <a:spcPts val="0"/>
-              </a:spcBef>
-              <a:spcAft>
-                <a:spcPts val="0"/>
-              </a:spcAft>
-              <a:buNone/>
-            </a:pPr>
-            <a:r>
-              <a:rPr lang="en-US" sz="1100" noProof="0">
-                <a:latin typeface="+mj-lt"/>
-              </a:rPr>
-              <a:t>[11] https://kubernetes.io/ </a:t>
-            </a:r>
-          </a:p>
-          <a:p>
-            <a:pPr marL="0" lvl="0" indent="0" algn="l" rtl="0">
-              <a:lnSpc>
-                <a:spcPct val="150000"/>
-              </a:lnSpc>
-              <a:spcBef>
-                <a:spcPts val="0"/>
-              </a:spcBef>
-              <a:spcAft>
-                <a:spcPts val="0"/>
-              </a:spcAft>
-              <a:buNone/>
-            </a:pPr>
-            <a:r>
-              <a:rPr lang="en-US" sz="1100" noProof="0">
-                <a:latin typeface="+mj-lt"/>
-              </a:rPr>
-              <a:t>[12] https://deepsource.io/blog/zero-downtime-deployment/ </a:t>
-            </a:r>
-          </a:p>
-          <a:p>
-            <a:pPr>
-              <a:lnSpc>
-                <a:spcPct val="150000"/>
-              </a:lnSpc>
-            </a:pPr>
-            <a:r>
-              <a:rPr lang="en-US" sz="1100">
-                <a:latin typeface="+mj-lt"/>
-              </a:rPr>
-              <a:t>[13] </a:t>
-            </a:r>
-            <a:r>
-              <a:rPr lang="en-US" sz="1100">
+              <a:t>[5] </a:t>
+            </a:r>
+            <a:r>
+              <a:rPr lang="en-US" sz="800" dirty="0">
                 <a:latin typeface="+mj-lt"/>
                 <a:hlinkClick r:id="rId8">
                   <a:extLst>
@@ -28202,49 +28299,22 @@
                   </a:extLst>
                 </a:hlinkClick>
               </a:rPr>
-              <a:t>https://www.ibm.com/cloud/blog/kubernetes-vs-docker</a:t>
-            </a:r>
-            <a:r>
-              <a:rPr lang="en-US" sz="1100">
+              <a:t>https://kubernetes.io/blog/2018/07/20/the-history-of-kubernetes-the-community-behind-it/</a:t>
+            </a:r>
+            <a:r>
+              <a:rPr lang="en-US" sz="800" dirty="0">
                 <a:latin typeface="+mj-lt"/>
               </a:rPr>
               <a:t> </a:t>
             </a:r>
-          </a:p>
-          <a:p>
-            <a:pPr marL="0" lvl="0" indent="0" algn="l" rtl="0">
-              <a:lnSpc>
-                <a:spcPct val="150000"/>
-              </a:lnSpc>
-              <a:spcBef>
-                <a:spcPts val="0"/>
-              </a:spcBef>
-              <a:spcAft>
-                <a:spcPts val="0"/>
-              </a:spcAft>
-              <a:buNone/>
-            </a:pPr>
-            <a:r>
-              <a:rPr lang="en-US" sz="1100">
+            <a:r>
+              <a:rPr lang="en-US" sz="800" noProof="0" dirty="0">
                 <a:latin typeface="+mj-lt"/>
               </a:rPr>
-              <a:t>[14] </a:t>
-            </a:r>
-            <a:r>
-              <a:rPr lang="en-US" sz="1100">
-                <a:latin typeface="+mj-lt"/>
-                <a:hlinkClick r:id="rId9">
-                  <a:extLst>
-                    <a:ext uri="{A12FA001-AC4F-418D-AE19-62706E023703}">
-                      <ahyp:hlinkClr xmlns:ahyp="http://schemas.microsoft.com/office/drawing/2018/hyperlinkcolor" val="tx"/>
-                    </a:ext>
-                  </a:extLst>
-                </a:hlinkClick>
-              </a:rPr>
-              <a:t>https://www.ibm.com/cloud/blog/docker-swarm-vs-kubernetes-a-comparison</a:t>
-            </a:r>
-            <a:r>
-              <a:rPr lang="en-US" sz="1100">
+              <a:t>(Accessed: 03.11.2022)</a:t>
+            </a:r>
+            <a:r>
+              <a:rPr lang="en-US" sz="800" dirty="0">
                 <a:latin typeface="+mj-lt"/>
               </a:rPr>
               <a:t> </a:t>
@@ -28257,29 +28327,35 @@
               </a:lnSpc>
             </a:pPr>
             <a:r>
-              <a:rPr lang="en-US" sz="1100">
+              <a:rPr lang="en-US" sz="800" dirty="0">
                 <a:latin typeface="+mj-lt"/>
               </a:rPr>
-              <a:t>[15] </a:t>
-            </a:r>
-            <a:r>
-              <a:rPr lang="de-DE" sz="1100">
+              <a:t>[6] </a:t>
+            </a:r>
+            <a:r>
+              <a:rPr lang="en-US" sz="800" dirty="0">
                 <a:latin typeface="+mj-lt"/>
-                <a:hlinkClick r:id="rId10">
-                  <a:extLst>
-                    <a:ext uri="{A12FA001-AC4F-418D-AE19-62706E023703}">
-                      <ahyp:hlinkClr xmlns:ahyp="http://schemas.microsoft.com/office/drawing/2018/hyperlinkcolor" val="tx"/>
-                    </a:ext>
-                  </a:extLst>
-                </a:hlinkClick>
-              </a:rPr>
-              <a:t>https://matthewpalmer.net/kubernetes-app-developer/articles/kubernetes-networking-guide-beginners.html</a:t>
-            </a:r>
-            <a:r>
-              <a:rPr lang="de-DE" sz="1100">
+                <a:hlinkClick r:id="rId9"/>
+              </a:rPr>
+              <a:t>https://kubernetes.io/case-studies/adidas/</a:t>
+            </a:r>
+            <a:r>
+              <a:rPr lang="en-US" sz="800" dirty="0">
                 <a:latin typeface="+mj-lt"/>
               </a:rPr>
               <a:t> </a:t>
+            </a:r>
+            <a:r>
+              <a:rPr lang="en-US" sz="800" noProof="0" dirty="0">
+                <a:latin typeface="+mj-lt"/>
+              </a:rPr>
+              <a:t>(Accessed: 06.10.2022)</a:t>
+            </a:r>
+            <a:r>
+              <a:rPr lang="en-US" sz="800" dirty="0">
+                <a:latin typeface="+mj-lt"/>
+              </a:rPr>
+              <a:t>  </a:t>
             </a:r>
           </a:p>
           <a:p>
@@ -28289,27 +28365,36 @@
               </a:lnSpc>
             </a:pPr>
             <a:r>
-              <a:rPr lang="en-US" sz="1100">
+              <a:rPr lang="en-US" sz="800" dirty="0">
                 <a:latin typeface="+mj-lt"/>
               </a:rPr>
-              <a:t>[16] </a:t>
-            </a:r>
-            <a:r>
-              <a:rPr lang="en-US" sz="1100">
+              <a:t>[7] </a:t>
+            </a:r>
+            <a:r>
+              <a:rPr lang="en-US" sz="800" dirty="0">
                 <a:latin typeface="+mj-lt"/>
-                <a:hlinkClick r:id="rId11">
-                  <a:extLst>
-                    <a:ext uri="{A12FA001-AC4F-418D-AE19-62706E023703}">
-                      <ahyp:hlinkClr xmlns:ahyp="http://schemas.microsoft.com/office/drawing/2018/hyperlinkcolor" val="tx"/>
-                    </a:ext>
-                  </a:extLst>
-                </a:hlinkClick>
-              </a:rPr>
-              <a:t>https://matthewpalmer.net/kubernetes-app-developer/articles/ingress.png</a:t>
-            </a:r>
-            <a:endParaRPr lang="en-US" sz="1100">
-              <a:latin typeface="+mj-lt"/>
-            </a:endParaRPr>
+                <a:hlinkClick r:id="rId10"/>
+              </a:rPr>
+              <a:t>https://kubernetes.io/case-studies/pinterest/</a:t>
+            </a:r>
+            <a:r>
+              <a:rPr lang="en-US" sz="800" dirty="0">
+                <a:latin typeface="+mj-lt"/>
+              </a:rPr>
+              <a:t> </a:t>
+            </a:r>
+            <a:r>
+              <a:rPr lang="en-US" sz="800" noProof="0" dirty="0">
+                <a:latin typeface="+mj-lt"/>
+              </a:rPr>
+              <a:t>(Accessed: 06.10.2022)</a:t>
+            </a:r>
+            <a:r>
+              <a:rPr lang="en-US" sz="800" dirty="0">
+                <a:latin typeface="+mj-lt"/>
+              </a:rPr>
+              <a:t>   </a:t>
+            </a:r>
           </a:p>
           <a:p>
             <a:pPr>
@@ -28318,27 +28403,36 @@
               </a:lnSpc>
             </a:pPr>
             <a:r>
-              <a:rPr lang="en-US" sz="1100">
+              <a:rPr lang="en-US" sz="800" dirty="0">
                 <a:latin typeface="+mj-lt"/>
               </a:rPr>
-              <a:t>[17] </a:t>
-            </a:r>
-            <a:r>
-              <a:rPr lang="en-US" sz="1100">
+              <a:t>[8] </a:t>
+            </a:r>
+            <a:r>
+              <a:rPr lang="en-US" sz="800" dirty="0">
                 <a:latin typeface="+mj-lt"/>
-                <a:hlinkClick r:id="rId12">
-                  <a:extLst>
-                    <a:ext uri="{A12FA001-AC4F-418D-AE19-62706E023703}">
-                      <ahyp:hlinkClr xmlns:ahyp="http://schemas.microsoft.com/office/drawing/2018/hyperlinkcolor" val="tx"/>
-                    </a:ext>
-                  </a:extLst>
-                </a:hlinkClick>
-              </a:rPr>
-              <a:t>https://k21academy.com/docker-kubernetes/configmaps-secrets/</a:t>
-            </a:r>
-            <a:endParaRPr lang="en-US" sz="1100">
-              <a:latin typeface="+mj-lt"/>
-            </a:endParaRPr>
+                <a:hlinkClick r:id="rId11"/>
+              </a:rPr>
+              <a:t>https://kubernetes.io/case-studies/spotify/</a:t>
+            </a:r>
+            <a:r>
+              <a:rPr lang="en-US" sz="800" dirty="0">
+                <a:latin typeface="+mj-lt"/>
+              </a:rPr>
+              <a:t> </a:t>
+            </a:r>
+            <a:r>
+              <a:rPr lang="en-US" sz="800" noProof="0" dirty="0">
+                <a:latin typeface="+mj-lt"/>
+              </a:rPr>
+              <a:t>(Accessed: 06.10.2022)</a:t>
+            </a:r>
+            <a:r>
+              <a:rPr lang="en-US" sz="800" dirty="0">
+                <a:latin typeface="+mj-lt"/>
+              </a:rPr>
+              <a:t>  </a:t>
+            </a:r>
           </a:p>
           <a:p>
             <a:pPr>
@@ -28347,26 +28441,32 @@
               </a:lnSpc>
             </a:pPr>
             <a:r>
-              <a:rPr lang="en-US" sz="1100">
+              <a:rPr lang="en-US" sz="800" dirty="0">
                 <a:latin typeface="+mj-lt"/>
               </a:rPr>
-              <a:t>[18] </a:t>
-            </a:r>
-            <a:r>
-              <a:rPr lang="en-US" sz="1100">
+              <a:t>[9] </a:t>
+            </a:r>
+            <a:r>
+              <a:rPr lang="en-US" sz="800" dirty="0">
                 <a:latin typeface="+mj-lt"/>
-                <a:hlinkClick r:id="rId13">
-                  <a:extLst>
-                    <a:ext uri="{A12FA001-AC4F-418D-AE19-62706E023703}">
-                      <ahyp:hlinkClr xmlns:ahyp="http://schemas.microsoft.com/office/drawing/2018/hyperlinkcolor" val="tx"/>
-                    </a:ext>
-                  </a:extLst>
-                </a:hlinkClick>
-              </a:rPr>
-              <a:t>https://kubernetes.io/docs/concepts/configuration/configmap/</a:t>
-            </a:r>
-            <a:r>
-              <a:rPr lang="en-US" sz="1100">
+                <a:hlinkClick r:id="rId12"/>
+              </a:rPr>
+              <a:t>https://www.jeremyjordan.me/kubernetes/</a:t>
+            </a:r>
+            <a:r>
+              <a:rPr lang="en-US" sz="800" dirty="0">
+                <a:latin typeface="+mj-lt"/>
+              </a:rPr>
+              <a:t> </a:t>
+            </a:r>
+            <a:r>
+              <a:rPr lang="en-US" sz="800" noProof="0" dirty="0">
+                <a:latin typeface="+mj-lt"/>
+              </a:rPr>
+              <a:t>(Accessed: 21.09.2022)</a:t>
+            </a:r>
+            <a:r>
+              <a:rPr lang="en-US" sz="800" dirty="0">
                 <a:latin typeface="+mj-lt"/>
               </a:rPr>
               <a:t> </a:t>
@@ -28379,29 +28479,65 @@
               </a:lnSpc>
             </a:pPr>
             <a:r>
-              <a:rPr lang="en-US" sz="1100">
+              <a:rPr lang="en-US" sz="800" noProof="0" dirty="0">
                 <a:latin typeface="+mj-lt"/>
               </a:rPr>
-              <a:t>[19] </a:t>
-            </a:r>
-            <a:r>
-              <a:rPr lang="en-US" sz="1100">
+              <a:t>[10] </a:t>
+            </a:r>
+            <a:r>
+              <a:rPr lang="en-US" sz="800" noProof="0" dirty="0">
                 <a:latin typeface="+mj-lt"/>
-                <a:hlinkClick r:id="rId14">
-                  <a:extLst>
-                    <a:ext uri="{A12FA001-AC4F-418D-AE19-62706E023703}">
-                      <ahyp:hlinkClr xmlns:ahyp="http://schemas.microsoft.com/office/drawing/2018/hyperlinkcolor" val="tx"/>
-                    </a:ext>
-                  </a:extLst>
-                </a:hlinkClick>
-              </a:rPr>
-              <a:t>https://kubernetes.io/docs/concepts/storage/volumes/</a:t>
-            </a:r>
-            <a:r>
-              <a:rPr lang="en-US" sz="1100">
+                <a:hlinkClick r:id="rId13"/>
+              </a:rPr>
+              <a:t>https://kubernetes.io/docs/concepts/overview/#why-you-need-kubernetes-and-what-can-it-do</a:t>
+            </a:r>
+            <a:r>
+              <a:rPr lang="en-US" sz="800" noProof="0" dirty="0">
                 <a:latin typeface="+mj-lt"/>
               </a:rPr>
+              <a:t>  (Accessed: 26.10.2022)</a:t>
+            </a:r>
+            <a:r>
+              <a:rPr lang="en-US" sz="800" dirty="0">
+                <a:latin typeface="+mj-lt"/>
+              </a:rPr>
               <a:t> </a:t>
+            </a:r>
+            <a:endParaRPr lang="en-US" sz="800" noProof="0" dirty="0">
+              <a:latin typeface="+mj-lt"/>
+            </a:endParaRPr>
+          </a:p>
+          <a:p>
+            <a:pPr marL="0" lvl="0" indent="0" algn="l" rtl="0">
+              <a:lnSpc>
+                <a:spcPct val="150000"/>
+              </a:lnSpc>
+              <a:spcBef>
+                <a:spcPts val="0"/>
+              </a:spcBef>
+              <a:spcAft>
+                <a:spcPts val="0"/>
+              </a:spcAft>
+              <a:buNone/>
+            </a:pPr>
+            <a:r>
+              <a:rPr lang="en-US" sz="800" noProof="0" dirty="0">
+                <a:latin typeface="+mj-lt"/>
+              </a:rPr>
+              <a:t>[11] </a:t>
+            </a:r>
+            <a:r>
+              <a:rPr lang="en-US" sz="800" noProof="0" dirty="0">
+                <a:latin typeface="+mj-lt"/>
+                <a:hlinkClick r:id="rId4"/>
+              </a:rPr>
+              <a:t>https://kubernetes.io/</a:t>
+            </a:r>
+            <a:r>
+              <a:rPr lang="en-US" sz="800" noProof="0" dirty="0">
+                <a:latin typeface="+mj-lt"/>
+              </a:rPr>
+              <a:t> (Accessed: 21.09.2022)</a:t>
             </a:r>
           </a:p>
           <a:p>
@@ -28411,13 +28547,48 @@
               </a:lnSpc>
             </a:pPr>
             <a:r>
-              <a:rPr lang="en-US" sz="1100">
+              <a:rPr lang="en-US" sz="800" noProof="0" dirty="0">
                 <a:latin typeface="+mj-lt"/>
               </a:rPr>
-              <a:t>[20] </a:t>
-            </a:r>
-            <a:r>
-              <a:rPr lang="en-US" sz="1100">
+              <a:t>[12] </a:t>
+            </a:r>
+            <a:r>
+              <a:rPr lang="en-US" sz="800" noProof="0" dirty="0">
+                <a:latin typeface="+mj-lt"/>
+                <a:hlinkClick r:id="rId14"/>
+              </a:rPr>
+              <a:t>https://deepsource.io/blog/zero-downtime-deployment/</a:t>
+            </a:r>
+            <a:r>
+              <a:rPr lang="en-US" sz="800" noProof="0" dirty="0">
+                <a:latin typeface="+mj-lt"/>
+              </a:rPr>
+              <a:t>  (Accessed: 26.10.2022)</a:t>
+            </a:r>
+            <a:r>
+              <a:rPr lang="en-US" sz="800" dirty="0">
+                <a:latin typeface="+mj-lt"/>
+              </a:rPr>
+              <a:t> </a:t>
+            </a:r>
+            <a:endParaRPr lang="en-US" sz="800" noProof="0" dirty="0">
+              <a:latin typeface="+mj-lt"/>
+            </a:endParaRPr>
+          </a:p>
+          <a:p>
+            <a:pPr>
+              <a:lnSpc>
+                <a:spcPct val="150000"/>
+              </a:lnSpc>
+            </a:pPr>
+            <a:r>
+              <a:rPr lang="en-US" sz="800" dirty="0">
+                <a:latin typeface="+mj-lt"/>
+              </a:rPr>
+              <a:t>[13] </a:t>
+            </a:r>
+            <a:r>
+              <a:rPr lang="en-US" sz="800" dirty="0">
                 <a:latin typeface="+mj-lt"/>
                 <a:hlinkClick r:id="rId15">
                   <a:extLst>
@@ -28427,10 +28598,22 @@
                   </a:extLst>
                 </a:hlinkClick>
               </a:rPr>
-              <a:t>https://kubernetes.io/docs/concepts/overview/components/</a:t>
-            </a:r>
-            <a:r>
-              <a:rPr lang="en-US" sz="1100">
+              <a:t>https://www.ibm.com/cloud/blog/kubernetes-vs-docker</a:t>
+            </a:r>
+            <a:r>
+              <a:rPr lang="en-US" sz="800" dirty="0">
+                <a:latin typeface="+mj-lt"/>
+              </a:rPr>
+              <a:t>  </a:t>
+            </a:r>
+            <a:r>
+              <a:rPr lang="en-US" sz="800" noProof="0" dirty="0">
+                <a:latin typeface="+mj-lt"/>
+              </a:rPr>
+              <a:t>(Accessed: 26.10.2022)</a:t>
+            </a:r>
+            <a:r>
+              <a:rPr lang="en-US" sz="800" dirty="0">
                 <a:latin typeface="+mj-lt"/>
               </a:rPr>
               <a:t> </a:t>
@@ -28443,13 +28626,13 @@
               </a:lnSpc>
             </a:pPr>
             <a:r>
-              <a:rPr lang="en-US" sz="1100">
+              <a:rPr lang="en-US" sz="800" dirty="0">
                 <a:latin typeface="+mj-lt"/>
               </a:rPr>
-              <a:t>[21] </a:t>
-            </a:r>
-            <a:r>
-              <a:rPr lang="en-US" sz="1100">
+              <a:t>[14] </a:t>
+            </a:r>
+            <a:r>
+              <a:rPr lang="en-US" sz="800" dirty="0">
                 <a:latin typeface="+mj-lt"/>
                 <a:hlinkClick r:id="rId16">
                   <a:extLst>
@@ -28459,57 +28642,625 @@
                   </a:extLst>
                 </a:hlinkClick>
               </a:rPr>
+              <a:t>https://www.ibm.com/cloud/blog/docker-swarm-vs-kubernetes-a-comparison</a:t>
+            </a:r>
+            <a:r>
+              <a:rPr lang="en-US" sz="800" dirty="0">
+                <a:latin typeface="+mj-lt"/>
+              </a:rPr>
+              <a:t>  </a:t>
+            </a:r>
+            <a:r>
+              <a:rPr lang="en-US" sz="800" noProof="0" dirty="0">
+                <a:latin typeface="+mj-lt"/>
+              </a:rPr>
+              <a:t>(Accessed: 26.10.2022)</a:t>
+            </a:r>
+            <a:r>
+              <a:rPr lang="en-US" sz="800" dirty="0">
+                <a:latin typeface="+mj-lt"/>
+              </a:rPr>
+              <a:t> </a:t>
+            </a:r>
+          </a:p>
+          <a:p>
+            <a:pPr>
+              <a:lnSpc>
+                <a:spcPct val="150000"/>
+              </a:lnSpc>
+            </a:pPr>
+            <a:r>
+              <a:rPr lang="en-US" sz="800" dirty="0">
+                <a:latin typeface="+mj-lt"/>
+              </a:rPr>
+              <a:t>[15] </a:t>
+            </a:r>
+            <a:r>
+              <a:rPr lang="de-DE" sz="800" dirty="0">
+                <a:latin typeface="+mj-lt"/>
+                <a:hlinkClick r:id="rId17">
+                  <a:extLst>
+                    <a:ext uri="{A12FA001-AC4F-418D-AE19-62706E023703}">
+                      <ahyp:hlinkClr xmlns:ahyp="http://schemas.microsoft.com/office/drawing/2018/hyperlinkcolor" val="tx"/>
+                    </a:ext>
+                  </a:extLst>
+                </a:hlinkClick>
+              </a:rPr>
+              <a:t>https://matthewpalmer.net/kubernetes-app-developer/articles/kubernetes-networking-guide-beginners.html</a:t>
+            </a:r>
+            <a:r>
+              <a:rPr lang="de-DE" sz="800" dirty="0">
+                <a:latin typeface="+mj-lt"/>
+              </a:rPr>
+              <a:t> </a:t>
+            </a:r>
+            <a:r>
+              <a:rPr lang="en-US" sz="800" noProof="0" dirty="0">
+                <a:latin typeface="+mj-lt"/>
+              </a:rPr>
+              <a:t>(Accessed: 03.11.2022)</a:t>
+            </a:r>
+            <a:r>
+              <a:rPr lang="en-US" sz="800" dirty="0">
+                <a:latin typeface="+mj-lt"/>
+              </a:rPr>
+              <a:t> </a:t>
+            </a:r>
+            <a:endParaRPr lang="de-DE" sz="800" dirty="0">
+              <a:latin typeface="+mj-lt"/>
+            </a:endParaRPr>
+          </a:p>
+          <a:p>
+            <a:pPr>
+              <a:lnSpc>
+                <a:spcPct val="150000"/>
+              </a:lnSpc>
+            </a:pPr>
+            <a:r>
+              <a:rPr lang="en-US" sz="800" dirty="0">
+                <a:latin typeface="+mj-lt"/>
+              </a:rPr>
+              <a:t>[16] </a:t>
+            </a:r>
+            <a:r>
+              <a:rPr lang="en-US" sz="800" dirty="0">
+                <a:latin typeface="+mj-lt"/>
+                <a:hlinkClick r:id="rId18">
+                  <a:extLst>
+                    <a:ext uri="{A12FA001-AC4F-418D-AE19-62706E023703}">
+                      <ahyp:hlinkClr xmlns:ahyp="http://schemas.microsoft.com/office/drawing/2018/hyperlinkcolor" val="tx"/>
+                    </a:ext>
+                  </a:extLst>
+                </a:hlinkClick>
+              </a:rPr>
+              <a:t>https://matthewpalmer.net/kubernetes-app-developer/articles/ingress.png</a:t>
+            </a:r>
+            <a:r>
+              <a:rPr lang="en-US" sz="800" dirty="0">
+                <a:latin typeface="+mj-lt"/>
+              </a:rPr>
+              <a:t> </a:t>
+            </a:r>
+            <a:r>
+              <a:rPr lang="en-US" sz="800" noProof="0" dirty="0">
+                <a:latin typeface="+mj-lt"/>
+              </a:rPr>
+              <a:t>(Accessed: 13.10.2022)</a:t>
+            </a:r>
+            <a:r>
+              <a:rPr lang="en-US" sz="800" dirty="0">
+                <a:latin typeface="+mj-lt"/>
+              </a:rPr>
+              <a:t> </a:t>
+            </a:r>
+          </a:p>
+          <a:p>
+            <a:pPr>
+              <a:lnSpc>
+                <a:spcPct val="150000"/>
+              </a:lnSpc>
+            </a:pPr>
+            <a:r>
+              <a:rPr lang="en-US" sz="800" dirty="0">
+                <a:latin typeface="+mj-lt"/>
+              </a:rPr>
+              <a:t>[17] </a:t>
+            </a:r>
+            <a:r>
+              <a:rPr lang="en-US" sz="800" dirty="0">
+                <a:latin typeface="+mj-lt"/>
+                <a:hlinkClick r:id="rId19">
+                  <a:extLst>
+                    <a:ext uri="{A12FA001-AC4F-418D-AE19-62706E023703}">
+                      <ahyp:hlinkClr xmlns:ahyp="http://schemas.microsoft.com/office/drawing/2018/hyperlinkcolor" val="tx"/>
+                    </a:ext>
+                  </a:extLst>
+                </a:hlinkClick>
+              </a:rPr>
+              <a:t>https://k21academy.com/docker-kubernetes/configmaps-secrets/</a:t>
+            </a:r>
+            <a:r>
+              <a:rPr lang="en-US" sz="800" dirty="0">
+                <a:latin typeface="+mj-lt"/>
+              </a:rPr>
+              <a:t> </a:t>
+            </a:r>
+            <a:r>
+              <a:rPr lang="en-US" sz="800" noProof="0" dirty="0">
+                <a:latin typeface="+mj-lt"/>
+              </a:rPr>
+              <a:t>(Accessed: 27.10.2022)</a:t>
+            </a:r>
+            <a:r>
+              <a:rPr lang="en-US" sz="800" dirty="0">
+                <a:latin typeface="+mj-lt"/>
+              </a:rPr>
+              <a:t> </a:t>
+            </a:r>
+          </a:p>
+          <a:p>
+            <a:pPr>
+              <a:lnSpc>
+                <a:spcPct val="150000"/>
+              </a:lnSpc>
+            </a:pPr>
+            <a:r>
+              <a:rPr lang="en-US" sz="800" dirty="0">
+                <a:latin typeface="+mj-lt"/>
+              </a:rPr>
+              <a:t>[18] </a:t>
+            </a:r>
+            <a:r>
+              <a:rPr lang="en-US" sz="800" dirty="0">
+                <a:latin typeface="+mj-lt"/>
+                <a:hlinkClick r:id="rId20">
+                  <a:extLst>
+                    <a:ext uri="{A12FA001-AC4F-418D-AE19-62706E023703}">
+                      <ahyp:hlinkClr xmlns:ahyp="http://schemas.microsoft.com/office/drawing/2018/hyperlinkcolor" val="tx"/>
+                    </a:ext>
+                  </a:extLst>
+                </a:hlinkClick>
+              </a:rPr>
+              <a:t>https://kubernetes.io/docs/concepts/configuration/configmap/</a:t>
+            </a:r>
+            <a:r>
+              <a:rPr lang="en-US" sz="800" dirty="0">
+                <a:latin typeface="+mj-lt"/>
+              </a:rPr>
+              <a:t> </a:t>
+            </a:r>
+            <a:r>
+              <a:rPr lang="en-US" sz="800" noProof="0" dirty="0">
+                <a:latin typeface="+mj-lt"/>
+              </a:rPr>
+              <a:t>(Accessed: 13.10.2022)</a:t>
+            </a:r>
+            <a:r>
+              <a:rPr lang="en-US" sz="800" dirty="0">
+                <a:latin typeface="+mj-lt"/>
+              </a:rPr>
+              <a:t> </a:t>
+            </a:r>
+          </a:p>
+          <a:p>
+            <a:pPr>
+              <a:lnSpc>
+                <a:spcPct val="150000"/>
+              </a:lnSpc>
+            </a:pPr>
+            <a:r>
+              <a:rPr lang="en-US" sz="800" dirty="0">
+                <a:latin typeface="+mj-lt"/>
+              </a:rPr>
+              <a:t>[19] </a:t>
+            </a:r>
+            <a:r>
+              <a:rPr lang="en-US" sz="800" dirty="0">
+                <a:latin typeface="+mj-lt"/>
+                <a:hlinkClick r:id="rId21">
+                  <a:extLst>
+                    <a:ext uri="{A12FA001-AC4F-418D-AE19-62706E023703}">
+                      <ahyp:hlinkClr xmlns:ahyp="http://schemas.microsoft.com/office/drawing/2018/hyperlinkcolor" val="tx"/>
+                    </a:ext>
+                  </a:extLst>
+                </a:hlinkClick>
+              </a:rPr>
+              <a:t>https://kubernetes.io/docs/concepts/storage/volumes/</a:t>
+            </a:r>
+            <a:r>
+              <a:rPr lang="en-US" sz="800" dirty="0">
+                <a:latin typeface="+mj-lt"/>
+              </a:rPr>
+              <a:t> </a:t>
+            </a:r>
+            <a:r>
+              <a:rPr lang="en-US" sz="800" noProof="0" dirty="0">
+                <a:latin typeface="+mj-lt"/>
+              </a:rPr>
+              <a:t>(Accessed: 20.10.2022)</a:t>
+            </a:r>
+            <a:r>
+              <a:rPr lang="en-US" sz="800" dirty="0">
+                <a:latin typeface="+mj-lt"/>
+              </a:rPr>
+              <a:t> </a:t>
+            </a:r>
+          </a:p>
+          <a:p>
+            <a:pPr>
+              <a:lnSpc>
+                <a:spcPct val="150000"/>
+              </a:lnSpc>
+            </a:pPr>
+            <a:r>
+              <a:rPr lang="en-US" sz="800" dirty="0">
+                <a:latin typeface="+mj-lt"/>
+              </a:rPr>
+              <a:t>[20] </a:t>
+            </a:r>
+            <a:r>
+              <a:rPr lang="en-US" sz="800" dirty="0">
+                <a:latin typeface="+mj-lt"/>
+                <a:hlinkClick r:id="rId22">
+                  <a:extLst>
+                    <a:ext uri="{A12FA001-AC4F-418D-AE19-62706E023703}">
+                      <ahyp:hlinkClr xmlns:ahyp="http://schemas.microsoft.com/office/drawing/2018/hyperlinkcolor" val="tx"/>
+                    </a:ext>
+                  </a:extLst>
+                </a:hlinkClick>
+              </a:rPr>
+              <a:t>https://kubernetes.io/docs/concepts/overview/components/</a:t>
+            </a:r>
+            <a:r>
+              <a:rPr lang="en-US" sz="800" dirty="0">
+                <a:latin typeface="+mj-lt"/>
+              </a:rPr>
+              <a:t> </a:t>
+            </a:r>
+            <a:r>
+              <a:rPr lang="en-US" sz="800" noProof="0" dirty="0">
+                <a:latin typeface="+mj-lt"/>
+              </a:rPr>
+              <a:t>(Accessed: 20.10.2022)</a:t>
+            </a:r>
+            <a:r>
+              <a:rPr lang="en-US" sz="800" dirty="0">
+                <a:latin typeface="+mj-lt"/>
+              </a:rPr>
+              <a:t>  </a:t>
+            </a:r>
+          </a:p>
+          <a:p>
+            <a:pPr>
+              <a:lnSpc>
+                <a:spcPct val="150000"/>
+              </a:lnSpc>
+            </a:pPr>
+            <a:r>
+              <a:rPr lang="en-US" sz="800" dirty="0">
+                <a:latin typeface="+mj-lt"/>
+              </a:rPr>
+              <a:t>[21] </a:t>
+            </a:r>
+            <a:r>
+              <a:rPr lang="en-US" sz="800" dirty="0">
+                <a:latin typeface="+mj-lt"/>
+                <a:hlinkClick r:id="rId23">
+                  <a:extLst>
+                    <a:ext uri="{A12FA001-AC4F-418D-AE19-62706E023703}">
+                      <ahyp:hlinkClr xmlns:ahyp="http://schemas.microsoft.com/office/drawing/2018/hyperlinkcolor" val="tx"/>
+                    </a:ext>
+                  </a:extLst>
+                </a:hlinkClick>
+              </a:rPr>
               <a:t>https://www.aquasec.com/cloud-native-academy/kubernetes-101/kubernetes-cluster/</a:t>
             </a:r>
             <a:r>
-              <a:rPr lang="en-US" sz="1100">
+              <a:rPr lang="en-US" sz="800" dirty="0">
                 <a:latin typeface="+mj-lt"/>
               </a:rPr>
               <a:t>  </a:t>
             </a:r>
-          </a:p>
-        </p:txBody>
-      </p:sp>
-      <p:sp>
-        <p:nvSpPr>
-          <p:cNvPr id="5" name="Textfeld 4">
-            <a:extLst>
-              <a:ext uri="{FF2B5EF4-FFF2-40B4-BE49-F238E27FC236}">
-                <a16:creationId xmlns:a16="http://schemas.microsoft.com/office/drawing/2014/main" id="{DE8225FD-6741-CA8A-B567-12F0135DB664}"/>
-              </a:ext>
-            </a:extLst>
-          </p:cNvPr>
-          <p:cNvSpPr txBox="1"/>
-          <p:nvPr/>
-        </p:nvSpPr>
-        <p:spPr>
-          <a:xfrm>
-            <a:off x="1327587" y="285444"/>
-            <a:ext cx="6093994" cy="584775"/>
-          </a:xfrm>
-          <a:prstGeom prst="rect">
-            <a:avLst/>
-          </a:prstGeom>
-          <a:noFill/>
-        </p:spPr>
-        <p:txBody>
-          <a:bodyPr wrap="square">
-            <a:spAutoFit/>
-          </a:bodyPr>
-          <a:lstStyle/>
-          <a:p>
-            <a:pPr marL="285750" indent="-285750">
-              <a:buFont typeface="Arial" panose="020B0604020202020204" pitchFamily="34" charset="0"/>
-              <a:buChar char="•"/>
+            <a:r>
+              <a:rPr lang="en-US" sz="800" noProof="0" dirty="0">
+                <a:latin typeface="+mj-lt"/>
+              </a:rPr>
+              <a:t>(Accessed: 21.09.2022)</a:t>
+            </a:r>
+            <a:endParaRPr lang="en-US" sz="800" dirty="0">
+              <a:latin typeface="+mj-lt"/>
+            </a:endParaRPr>
+          </a:p>
+          <a:p>
+            <a:pPr>
+              <a:lnSpc>
+                <a:spcPct val="150000"/>
+              </a:lnSpc>
             </a:pPr>
             <a:r>
-              <a:rPr lang="en-US" sz="3200" b="1">
+              <a:rPr lang="en-US" sz="800" dirty="0">
+                <a:latin typeface="+mj-lt"/>
+              </a:rPr>
+              <a:t>[22] </a:t>
+            </a:r>
+            <a:r>
+              <a:rPr lang="en-US" sz="800" dirty="0">
+                <a:latin typeface="+mj-lt"/>
+                <a:hlinkClick r:id="rId24"/>
+              </a:rPr>
+              <a:t>https://www.redhat.com/en/topics/containers/what-is-etcd</a:t>
+            </a:r>
+            <a:r>
+              <a:rPr lang="en-US" sz="800" dirty="0">
+                <a:latin typeface="+mj-lt"/>
+              </a:rPr>
+              <a:t> </a:t>
+            </a:r>
+            <a:r>
+              <a:rPr lang="en-US" sz="800" noProof="0" dirty="0">
+                <a:latin typeface="+mj-lt"/>
+              </a:rPr>
+              <a:t>(Accessed: 13.10.2022)</a:t>
+            </a:r>
+            <a:r>
+              <a:rPr lang="en-US" sz="800" dirty="0">
+                <a:latin typeface="+mj-lt"/>
+              </a:rPr>
+              <a:t>    </a:t>
+            </a:r>
+          </a:p>
+          <a:p>
+            <a:pPr>
+              <a:lnSpc>
+                <a:spcPct val="150000"/>
+              </a:lnSpc>
+            </a:pPr>
+            <a:r>
+              <a:rPr lang="en-US" sz="800" dirty="0">
+                <a:latin typeface="+mj-lt"/>
+              </a:rPr>
+              <a:t>[23] </a:t>
+            </a:r>
+            <a:r>
+              <a:rPr lang="en-US" sz="800" dirty="0">
+                <a:latin typeface="+mj-lt"/>
+                <a:hlinkClick r:id="rId25"/>
+              </a:rPr>
+              <a:t>https://matthewpalmer.net/kubernetes-app-developer/articles/how-does-kubernetes-use-etcd.html</a:t>
+            </a:r>
+            <a:r>
+              <a:rPr lang="en-US" sz="800" dirty="0">
+                <a:latin typeface="+mj-lt"/>
+              </a:rPr>
+              <a:t> </a:t>
+            </a:r>
+            <a:r>
+              <a:rPr lang="en-US" sz="800" noProof="0" dirty="0">
+                <a:latin typeface="+mj-lt"/>
+              </a:rPr>
+              <a:t>(Accessed: 26.10.2022)</a:t>
+            </a:r>
+            <a:r>
+              <a:rPr lang="en-US" sz="800" dirty="0">
+                <a:latin typeface="+mj-lt"/>
+              </a:rPr>
+              <a:t> </a:t>
+            </a:r>
+          </a:p>
+          <a:p>
+            <a:pPr>
+              <a:lnSpc>
+                <a:spcPct val="150000"/>
+              </a:lnSpc>
+            </a:pPr>
+            <a:r>
+              <a:rPr lang="en-US" sz="800" dirty="0">
+                <a:latin typeface="+mj-lt"/>
+              </a:rPr>
+              <a:t>[24] </a:t>
+            </a:r>
+            <a:r>
+              <a:rPr lang="en-US" sz="800" dirty="0">
+                <a:hlinkClick r:id="rId26"/>
+              </a:rPr>
+              <a:t>https://kubernetes.io/docs/concepts/scheduling-eviction/kube-scheduler/</a:t>
+            </a:r>
+            <a:r>
+              <a:rPr lang="en-US" sz="800" dirty="0"/>
+              <a:t> </a:t>
+            </a:r>
+            <a:r>
+              <a:rPr lang="en-US" sz="800" noProof="0" dirty="0">
+                <a:latin typeface="+mj-lt"/>
+              </a:rPr>
+              <a:t>(Accessed: 13.10.2022)</a:t>
+            </a:r>
+            <a:r>
+              <a:rPr lang="en-US" sz="800" dirty="0">
+                <a:latin typeface="+mj-lt"/>
+              </a:rPr>
+              <a:t> </a:t>
+            </a:r>
+            <a:endParaRPr lang="en-US" sz="800" dirty="0"/>
+          </a:p>
+          <a:p>
+            <a:pPr>
+              <a:lnSpc>
+                <a:spcPct val="150000"/>
+              </a:lnSpc>
+            </a:pPr>
+            <a:r>
+              <a:rPr lang="en-US" sz="800" dirty="0"/>
+              <a:t>[25] </a:t>
+            </a:r>
+            <a:r>
+              <a:rPr lang="en-US" sz="800" dirty="0">
                 <a:solidFill>
-                  <a:srgbClr val="FF0000"/>
+                  <a:schemeClr val="tx1"/>
                 </a:solidFill>
-              </a:rPr>
-              <a:t>Datums !! </a:t>
-            </a:r>
+                <a:latin typeface="Catamaran Light" panose="020B0604020202020204" charset="0"/>
+                <a:cs typeface="Catamaran Light" panose="020B0604020202020204" charset="0"/>
+                <a:hlinkClick r:id="rId27"/>
+              </a:rPr>
+              <a:t>https://komodor.com/learn/controller-manager/</a:t>
+            </a:r>
+            <a:r>
+              <a:rPr lang="en-US" sz="800" dirty="0">
+                <a:solidFill>
+                  <a:schemeClr val="tx1"/>
+                </a:solidFill>
+                <a:latin typeface="Catamaran Light" panose="020B0604020202020204" charset="0"/>
+                <a:cs typeface="Catamaran Light" panose="020B0604020202020204" charset="0"/>
+              </a:rPr>
+              <a:t> </a:t>
+            </a:r>
+            <a:r>
+              <a:rPr lang="en-US" sz="800" noProof="0" dirty="0">
+                <a:latin typeface="+mj-lt"/>
+              </a:rPr>
+              <a:t>(Accessed: 13.10.2022)</a:t>
+            </a:r>
+            <a:r>
+              <a:rPr lang="en-US" sz="800" dirty="0">
+                <a:latin typeface="+mj-lt"/>
+              </a:rPr>
+              <a:t> </a:t>
+            </a:r>
+            <a:endParaRPr lang="en-US" sz="800" dirty="0">
+              <a:solidFill>
+                <a:schemeClr val="tx1"/>
+              </a:solidFill>
+              <a:latin typeface="Catamaran Light" panose="020B0604020202020204" charset="0"/>
+              <a:cs typeface="Catamaran Light" panose="020B0604020202020204" charset="0"/>
+            </a:endParaRPr>
+          </a:p>
+          <a:p>
+            <a:pPr>
+              <a:lnSpc>
+                <a:spcPct val="150000"/>
+              </a:lnSpc>
+            </a:pPr>
+            <a:r>
+              <a:rPr lang="en-US" sz="800" dirty="0"/>
+              <a:t> [26] </a:t>
+            </a:r>
+            <a:r>
+              <a:rPr lang="en-US" sz="800" dirty="0">
+                <a:hlinkClick r:id="rId28"/>
+              </a:rPr>
+              <a:t>https://www.youtube.com/watch?v=oBf5lrmquYI</a:t>
+            </a:r>
+            <a:r>
+              <a:rPr lang="en-US" sz="800" dirty="0"/>
+              <a:t> </a:t>
+            </a:r>
+            <a:r>
+              <a:rPr lang="en-US" sz="800" noProof="0" dirty="0">
+                <a:latin typeface="+mj-lt"/>
+              </a:rPr>
+              <a:t>(Accessed: 27.10.2022)</a:t>
+            </a:r>
+            <a:r>
+              <a:rPr lang="en-US" sz="800" dirty="0">
+                <a:latin typeface="+mj-lt"/>
+              </a:rPr>
+              <a:t> </a:t>
+            </a:r>
+            <a:endParaRPr lang="en-US" sz="800" dirty="0"/>
+          </a:p>
+          <a:p>
+            <a:pPr>
+              <a:lnSpc>
+                <a:spcPct val="150000"/>
+              </a:lnSpc>
+            </a:pPr>
+            <a:r>
+              <a:rPr lang="en-US" sz="800" dirty="0">
+                <a:latin typeface="+mj-lt"/>
+              </a:rPr>
+              <a:t>[27] </a:t>
+            </a:r>
+            <a:r>
+              <a:rPr lang="en-US" sz="800" dirty="0">
+                <a:latin typeface="+mj-lt"/>
+                <a:hlinkClick r:id="rId29"/>
+              </a:rPr>
+              <a:t>https://kubernetes.io/docs/tasks/administer-cluster/securing-a-cluster/</a:t>
+            </a:r>
+            <a:r>
+              <a:rPr lang="en-US" sz="800" dirty="0">
+                <a:latin typeface="+mj-lt"/>
+              </a:rPr>
+              <a:t> </a:t>
+            </a:r>
+            <a:r>
+              <a:rPr lang="en-US" sz="800" noProof="0" dirty="0">
+                <a:latin typeface="+mj-lt"/>
+              </a:rPr>
+              <a:t>(Accessed: 27.10.2022)</a:t>
+            </a:r>
+            <a:r>
+              <a:rPr lang="en-US" sz="800" dirty="0">
+                <a:latin typeface="+mj-lt"/>
+              </a:rPr>
+              <a:t> </a:t>
+            </a:r>
+          </a:p>
+          <a:p>
+            <a:pPr>
+              <a:lnSpc>
+                <a:spcPct val="150000"/>
+              </a:lnSpc>
+            </a:pPr>
+            <a:r>
+              <a:rPr lang="en-US" sz="800" dirty="0">
+                <a:latin typeface="+mj-lt"/>
+              </a:rPr>
+              <a:t>[28] </a:t>
+            </a:r>
+            <a:r>
+              <a:rPr lang="en-US" sz="800" dirty="0">
+                <a:latin typeface="+mj-lt"/>
+                <a:hlinkClick r:id="rId30"/>
+              </a:rPr>
+              <a:t>https://kubernetes.io/docs/concepts/security/</a:t>
+            </a:r>
+            <a:r>
+              <a:rPr lang="en-US" sz="800" dirty="0">
+                <a:latin typeface="+mj-lt"/>
+              </a:rPr>
+              <a:t> </a:t>
+            </a:r>
+            <a:r>
+              <a:rPr lang="en-US" sz="800" noProof="0" dirty="0">
+                <a:latin typeface="+mj-lt"/>
+              </a:rPr>
+              <a:t>(Accessed: 27.10.2022)</a:t>
+            </a:r>
+          </a:p>
+          <a:p>
+            <a:pPr>
+              <a:lnSpc>
+                <a:spcPct val="150000"/>
+              </a:lnSpc>
+            </a:pPr>
+            <a:r>
+              <a:rPr lang="en-US" sz="800" dirty="0">
+                <a:latin typeface="+mj-lt"/>
+              </a:rPr>
+              <a:t>[29] </a:t>
+            </a:r>
+            <a:r>
+              <a:rPr lang="de-DE" sz="800" dirty="0"/>
+              <a:t>https://www.containiq.com/post/kubernetes-api </a:t>
+            </a:r>
+            <a:r>
+              <a:rPr lang="en-US" sz="800" dirty="0">
+                <a:latin typeface="+mj-lt"/>
+              </a:rPr>
+              <a:t>(Accessed: 13.10.2022) </a:t>
+            </a:r>
+            <a:endParaRPr lang="de-DE" sz="800" dirty="0"/>
           </a:p>
         </p:txBody>
       </p:sp>
@@ -40627,6 +41378,21 @@
 </file>
 
 <file path=customXml/item1.xml><?xml version="1.0" encoding="utf-8"?>
+<?mso-contentType ?>
+<FormTemplates xmlns="http://schemas.microsoft.com/sharepoint/v3/contenttype/forms">
+  <Display>DocumentLibraryForm</Display>
+  <Edit>DocumentLibraryForm</Edit>
+  <New>DocumentLibraryForm</New>
+</FormTemplates>
+</file>
+
+<file path=customXml/item2.xml><?xml version="1.0" encoding="utf-8"?>
+<p:properties xmlns:p="http://schemas.microsoft.com/office/2006/metadata/properties" xmlns:xsi="http://www.w3.org/2001/XMLSchema-instance" xmlns:pc="http://schemas.microsoft.com/office/infopath/2007/PartnerControls">
+  <documentManagement/>
+</p:properties>
+</file>
+
+<file path=customXml/item3.xml><?xml version="1.0" encoding="utf-8"?>
 <ct:contentTypeSchema xmlns:ct="http://schemas.microsoft.com/office/2006/metadata/contentType" xmlns:ma="http://schemas.microsoft.com/office/2006/metadata/properties/metaAttributes" ct:_="" ma:_="" ma:contentTypeName="Document" ma:contentTypeID="0x0101006FF14507A145C24F999C4CC815F5751B" ma:contentTypeVersion="10" ma:contentTypeDescription="Een nieuw document maken." ma:contentTypeScope="" ma:versionID="0c5deecaf2566317a522c417b312c729">
   <xsd:schema xmlns:xsd="http://www.w3.org/2001/XMLSchema" xmlns:xs="http://www.w3.org/2001/XMLSchema" xmlns:p="http://schemas.microsoft.com/office/2006/metadata/properties" xmlns:ns3="715877be-e566-4832-9b37-02c3dbf839ff" xmlns:ns4="8ac7db19-3b06-46eb-b01e-88141d19e780" targetNamespace="http://schemas.microsoft.com/office/2006/metadata/properties" ma:root="true" ma:fieldsID="d5df6eeb6c6199659dc8e0e5be71810a" ns3:_="" ns4:_="">
     <xsd:import namespace="715877be-e566-4832-9b37-02c3dbf839ff"/>
@@ -40829,36 +41595,10 @@
 </ct:contentTypeSchema>
 </file>
 
-<file path=customXml/item2.xml><?xml version="1.0" encoding="utf-8"?>
-<p:properties xmlns:p="http://schemas.microsoft.com/office/2006/metadata/properties" xmlns:xsi="http://www.w3.org/2001/XMLSchema-instance" xmlns:pc="http://schemas.microsoft.com/office/infopath/2007/PartnerControls">
-  <documentManagement/>
-</p:properties>
-</file>
-
-<file path=customXml/item3.xml><?xml version="1.0" encoding="utf-8"?>
-<?mso-contentType ?>
-<FormTemplates xmlns="http://schemas.microsoft.com/sharepoint/v3/contenttype/forms">
-  <Display>DocumentLibraryForm</Display>
-  <Edit>DocumentLibraryForm</Edit>
-  <New>DocumentLibraryForm</New>
-</FormTemplates>
-</file>
-
 <file path=customXml/itemProps1.xml><?xml version="1.0" encoding="utf-8"?>
-<ds:datastoreItem xmlns:ds="http://schemas.openxmlformats.org/officeDocument/2006/customXml" ds:itemID="{FB9350AC-2218-4F35-AD24-7439EBBE55B4}">
+<ds:datastoreItem xmlns:ds="http://schemas.openxmlformats.org/officeDocument/2006/customXml" ds:itemID="{345CA8FF-776F-4A16-B58F-FFE3FED92C58}">
   <ds:schemaRefs>
-    <ds:schemaRef ds:uri="715877be-e566-4832-9b37-02c3dbf839ff"/>
-    <ds:schemaRef ds:uri="8ac7db19-3b06-46eb-b01e-88141d19e780"/>
-    <ds:schemaRef ds:uri="http://purl.org/dc/elements/1.1/"/>
-    <ds:schemaRef ds:uri="http://purl.org/dc/terms/"/>
-    <ds:schemaRef ds:uri="http://schemas.microsoft.com/internal/obd"/>
-    <ds:schemaRef ds:uri="http://schemas.microsoft.com/office/2006/documentManagement/types"/>
-    <ds:schemaRef ds:uri="http://schemas.microsoft.com/office/2006/metadata/contentType"/>
-    <ds:schemaRef ds:uri="http://schemas.microsoft.com/office/2006/metadata/properties"/>
-    <ds:schemaRef ds:uri="http://schemas.microsoft.com/office/2006/metadata/properties/metaAttributes"/>
-    <ds:schemaRef ds:uri="http://schemas.microsoft.com/office/infopath/2007/PartnerControls"/>
-    <ds:schemaRef ds:uri="http://schemas.openxmlformats.org/package/2006/metadata/core-properties"/>
-    <ds:schemaRef ds:uri="http://www.w3.org/2001/XMLSchema"/>
+    <ds:schemaRef ds:uri="http://schemas.microsoft.com/sharepoint/v3/contenttype/forms"/>
   </ds:schemaRefs>
 </ds:datastoreItem>
 </file>
@@ -40881,9 +41621,20 @@
 </file>
 
 <file path=customXml/itemProps3.xml><?xml version="1.0" encoding="utf-8"?>
-<ds:datastoreItem xmlns:ds="http://schemas.openxmlformats.org/officeDocument/2006/customXml" ds:itemID="{345CA8FF-776F-4A16-B58F-FFE3FED92C58}">
+<ds:datastoreItem xmlns:ds="http://schemas.openxmlformats.org/officeDocument/2006/customXml" ds:itemID="{FB9350AC-2218-4F35-AD24-7439EBBE55B4}">
   <ds:schemaRefs>
-    <ds:schemaRef ds:uri="http://schemas.microsoft.com/sharepoint/v3/contenttype/forms"/>
+    <ds:schemaRef ds:uri="715877be-e566-4832-9b37-02c3dbf839ff"/>
+    <ds:schemaRef ds:uri="8ac7db19-3b06-46eb-b01e-88141d19e780"/>
+    <ds:schemaRef ds:uri="http://purl.org/dc/elements/1.1/"/>
+    <ds:schemaRef ds:uri="http://purl.org/dc/terms/"/>
+    <ds:schemaRef ds:uri="http://schemas.microsoft.com/internal/obd"/>
+    <ds:schemaRef ds:uri="http://schemas.microsoft.com/office/2006/documentManagement/types"/>
+    <ds:schemaRef ds:uri="http://schemas.microsoft.com/office/2006/metadata/contentType"/>
+    <ds:schemaRef ds:uri="http://schemas.microsoft.com/office/2006/metadata/properties"/>
+    <ds:schemaRef ds:uri="http://schemas.microsoft.com/office/2006/metadata/properties/metaAttributes"/>
+    <ds:schemaRef ds:uri="http://schemas.microsoft.com/office/infopath/2007/PartnerControls"/>
+    <ds:schemaRef ds:uri="http://schemas.openxmlformats.org/package/2006/metadata/core-properties"/>
+    <ds:schemaRef ds:uri="http://www.w3.org/2001/XMLSchema"/>
   </ds:schemaRefs>
 </ds:datastoreItem>
 </file>